--- a/Drawings/PowerPoint/GUI.pptx
+++ b/Drawings/PowerPoint/GUI.pptx
@@ -7,6 +7,7 @@
   <p:sldIdLst>
     <p:sldId id="256" r:id="rId2"/>
     <p:sldId id="257" r:id="rId3"/>
+    <p:sldId id="258" r:id="rId4"/>
   </p:sldIdLst>
   <p:sldSz cx="12192000" cy="6858000"/>
   <p:notesSz cx="6858000" cy="9144000"/>
@@ -105,6 +106,11 @@
       </a:defRPr>
     </a:lvl9pPr>
   </p:defaultTextStyle>
+  <p:extLst>
+    <p:ext uri="{EFAFB233-063F-42B5-8137-9DF3F51BA10A}">
+      <p15:sldGuideLst xmlns:p15="http://schemas.microsoft.com/office/powerpoint/2012/main"/>
+    </p:ext>
+  </p:extLst>
 </p:presentation>
 </file>
 
@@ -239,7 +245,7 @@
           <a:p>
             <a:fld id="{95DBDB7F-75BD-4B06-98D9-C99E8C599512}" type="datetimeFigureOut">
               <a:rPr lang="en-US" smtClean="0"/>
-              <a:t>18-Nov-17</a:t>
+              <a:t>28-Nov-17</a:t>
             </a:fld>
             <a:endParaRPr lang="en-US"/>
           </a:p>
@@ -409,7 +415,7 @@
           <a:p>
             <a:fld id="{95DBDB7F-75BD-4B06-98D9-C99E8C599512}" type="datetimeFigureOut">
               <a:rPr lang="en-US" smtClean="0"/>
-              <a:t>18-Nov-17</a:t>
+              <a:t>28-Nov-17</a:t>
             </a:fld>
             <a:endParaRPr lang="en-US"/>
           </a:p>
@@ -589,7 +595,7 @@
           <a:p>
             <a:fld id="{95DBDB7F-75BD-4B06-98D9-C99E8C599512}" type="datetimeFigureOut">
               <a:rPr lang="en-US" smtClean="0"/>
-              <a:t>18-Nov-17</a:t>
+              <a:t>28-Nov-17</a:t>
             </a:fld>
             <a:endParaRPr lang="en-US"/>
           </a:p>
@@ -759,7 +765,7 @@
           <a:p>
             <a:fld id="{95DBDB7F-75BD-4B06-98D9-C99E8C599512}" type="datetimeFigureOut">
               <a:rPr lang="en-US" smtClean="0"/>
-              <a:t>18-Nov-17</a:t>
+              <a:t>28-Nov-17</a:t>
             </a:fld>
             <a:endParaRPr lang="en-US"/>
           </a:p>
@@ -1005,7 +1011,7 @@
           <a:p>
             <a:fld id="{95DBDB7F-75BD-4B06-98D9-C99E8C599512}" type="datetimeFigureOut">
               <a:rPr lang="en-US" smtClean="0"/>
-              <a:t>18-Nov-17</a:t>
+              <a:t>28-Nov-17</a:t>
             </a:fld>
             <a:endParaRPr lang="en-US"/>
           </a:p>
@@ -1237,7 +1243,7 @@
           <a:p>
             <a:fld id="{95DBDB7F-75BD-4B06-98D9-C99E8C599512}" type="datetimeFigureOut">
               <a:rPr lang="en-US" smtClean="0"/>
-              <a:t>18-Nov-17</a:t>
+              <a:t>28-Nov-17</a:t>
             </a:fld>
             <a:endParaRPr lang="en-US"/>
           </a:p>
@@ -1604,7 +1610,7 @@
           <a:p>
             <a:fld id="{95DBDB7F-75BD-4B06-98D9-C99E8C599512}" type="datetimeFigureOut">
               <a:rPr lang="en-US" smtClean="0"/>
-              <a:t>18-Nov-17</a:t>
+              <a:t>28-Nov-17</a:t>
             </a:fld>
             <a:endParaRPr lang="en-US"/>
           </a:p>
@@ -1722,7 +1728,7 @@
           <a:p>
             <a:fld id="{95DBDB7F-75BD-4B06-98D9-C99E8C599512}" type="datetimeFigureOut">
               <a:rPr lang="en-US" smtClean="0"/>
-              <a:t>18-Nov-17</a:t>
+              <a:t>28-Nov-17</a:t>
             </a:fld>
             <a:endParaRPr lang="en-US"/>
           </a:p>
@@ -1817,7 +1823,7 @@
           <a:p>
             <a:fld id="{95DBDB7F-75BD-4B06-98D9-C99E8C599512}" type="datetimeFigureOut">
               <a:rPr lang="en-US" smtClean="0"/>
-              <a:t>18-Nov-17</a:t>
+              <a:t>28-Nov-17</a:t>
             </a:fld>
             <a:endParaRPr lang="en-US"/>
           </a:p>
@@ -2094,7 +2100,7 @@
           <a:p>
             <a:fld id="{95DBDB7F-75BD-4B06-98D9-C99E8C599512}" type="datetimeFigureOut">
               <a:rPr lang="en-US" smtClean="0"/>
-              <a:t>18-Nov-17</a:t>
+              <a:t>28-Nov-17</a:t>
             </a:fld>
             <a:endParaRPr lang="en-US"/>
           </a:p>
@@ -2347,7 +2353,7 @@
           <a:p>
             <a:fld id="{95DBDB7F-75BD-4B06-98D9-C99E8C599512}" type="datetimeFigureOut">
               <a:rPr lang="en-US" smtClean="0"/>
-              <a:t>18-Nov-17</a:t>
+              <a:t>28-Nov-17</a:t>
             </a:fld>
             <a:endParaRPr lang="en-US"/>
           </a:p>
@@ -2560,7 +2566,7 @@
           <a:p>
             <a:fld id="{95DBDB7F-75BD-4B06-98D9-C99E8C599512}" type="datetimeFigureOut">
               <a:rPr lang="en-US" smtClean="0"/>
-              <a:t>18-Nov-17</a:t>
+              <a:t>28-Nov-17</a:t>
             </a:fld>
             <a:endParaRPr lang="en-US"/>
           </a:p>
@@ -4106,10 +4112,3412 @@
           <a:chExt cx="0" cy="0"/>
         </a:xfrm>
       </p:grpSpPr>
+      <p:grpSp>
+        <p:nvGrpSpPr>
+          <p:cNvPr id="3" name="Group 2"/>
+          <p:cNvGrpSpPr/>
+          <p:nvPr/>
+        </p:nvGrpSpPr>
+        <p:grpSpPr>
+          <a:xfrm>
+            <a:off x="885372" y="1230537"/>
+            <a:ext cx="10289651" cy="3577401"/>
+            <a:chOff x="885372" y="1230537"/>
+            <a:chExt cx="10289651" cy="3577401"/>
+          </a:xfrm>
+        </p:grpSpPr>
+        <p:sp>
+          <p:nvSpPr>
+            <p:cNvPr id="150" name="Rectangle 149"/>
+            <p:cNvSpPr/>
+            <p:nvPr/>
+          </p:nvSpPr>
+          <p:spPr>
+            <a:xfrm>
+              <a:off x="9110762" y="1230537"/>
+              <a:ext cx="2064261" cy="1463722"/>
+            </a:xfrm>
+            <a:prstGeom prst="rect">
+              <a:avLst/>
+            </a:prstGeom>
+            <a:noFill/>
+            <a:ln w="12700">
+              <a:solidFill>
+                <a:schemeClr val="tx1"/>
+              </a:solidFill>
+              <a:prstDash val="solid"/>
+            </a:ln>
+            <a:effectLst>
+              <a:softEdge rad="0"/>
+            </a:effectLst>
+          </p:spPr>
+          <p:style>
+            <a:lnRef idx="2">
+              <a:schemeClr val="accent1">
+                <a:shade val="50000"/>
+              </a:schemeClr>
+            </a:lnRef>
+            <a:fillRef idx="1">
+              <a:schemeClr val="accent1"/>
+            </a:fillRef>
+            <a:effectRef idx="0">
+              <a:schemeClr val="accent1"/>
+            </a:effectRef>
+            <a:fontRef idx="minor">
+              <a:schemeClr val="lt1"/>
+            </a:fontRef>
+          </p:style>
+          <p:txBody>
+            <a:bodyPr rtlCol="0" anchor="ctr"/>
+            <a:lstStyle/>
+            <a:p>
+              <a:pPr algn="ctr"/>
+              <a:endParaRPr lang="en-US" dirty="0" smtClean="0">
+                <a:solidFill>
+                  <a:schemeClr val="tx1"/>
+                </a:solidFill>
+                <a:latin typeface="Times New Roman" panose="02020603050405020304" pitchFamily="18" charset="0"/>
+                <a:cs typeface="Times New Roman" panose="02020603050405020304" pitchFamily="18" charset="0"/>
+              </a:endParaRPr>
+            </a:p>
+          </p:txBody>
+        </p:sp>
+        <p:sp>
+          <p:nvSpPr>
+            <p:cNvPr id="2" name="Rounded Rectangle 1"/>
+            <p:cNvSpPr/>
+            <p:nvPr/>
+          </p:nvSpPr>
+          <p:spPr>
+            <a:xfrm>
+              <a:off x="885372" y="3243472"/>
+              <a:ext cx="880730" cy="409906"/>
+            </a:xfrm>
+            <a:prstGeom prst="roundRect">
+              <a:avLst/>
+            </a:prstGeom>
+            <a:solidFill>
+              <a:srgbClr val="C00000"/>
+            </a:solidFill>
+            <a:ln w="19050">
+              <a:noFill/>
+              <a:prstDash val="solid"/>
+            </a:ln>
+            <a:effectLst>
+              <a:softEdge rad="0"/>
+            </a:effectLst>
+          </p:spPr>
+          <p:style>
+            <a:lnRef idx="2">
+              <a:schemeClr val="accent1">
+                <a:shade val="50000"/>
+              </a:schemeClr>
+            </a:lnRef>
+            <a:fillRef idx="1">
+              <a:schemeClr val="accent1"/>
+            </a:fillRef>
+            <a:effectRef idx="0">
+              <a:schemeClr val="accent1"/>
+            </a:effectRef>
+            <a:fontRef idx="minor">
+              <a:schemeClr val="lt1"/>
+            </a:fontRef>
+          </p:style>
+          <p:txBody>
+            <a:bodyPr rtlCol="0" anchor="ctr"/>
+            <a:lstStyle/>
+            <a:p>
+              <a:pPr algn="ctr"/>
+              <a:r>
+                <a:rPr lang="en-US" sz="800" dirty="0" smtClean="0">
+                  <a:solidFill>
+                    <a:schemeClr val="bg1"/>
+                  </a:solidFill>
+                  <a:latin typeface="Times New Roman" panose="02020603050405020304" pitchFamily="18" charset="0"/>
+                  <a:cs typeface="Times New Roman" panose="02020603050405020304" pitchFamily="18" charset="0"/>
+                </a:rPr>
+                <a:t>Add a New Instance</a:t>
+              </a:r>
+              <a:endParaRPr lang="en-US" sz="800" dirty="0">
+                <a:solidFill>
+                  <a:schemeClr val="bg1"/>
+                </a:solidFill>
+                <a:latin typeface="Times New Roman" panose="02020603050405020304" pitchFamily="18" charset="0"/>
+                <a:cs typeface="Times New Roman" panose="02020603050405020304" pitchFamily="18" charset="0"/>
+              </a:endParaRPr>
+            </a:p>
+          </p:txBody>
+        </p:sp>
+        <p:sp>
+          <p:nvSpPr>
+            <p:cNvPr id="4" name="Rounded Rectangle 3"/>
+            <p:cNvSpPr/>
+            <p:nvPr/>
+          </p:nvSpPr>
+          <p:spPr>
+            <a:xfrm>
+              <a:off x="3882164" y="3243470"/>
+              <a:ext cx="821802" cy="409906"/>
+            </a:xfrm>
+            <a:prstGeom prst="roundRect">
+              <a:avLst/>
+            </a:prstGeom>
+            <a:solidFill>
+              <a:srgbClr val="C00000"/>
+            </a:solidFill>
+            <a:ln w="19050">
+              <a:noFill/>
+              <a:prstDash val="solid"/>
+            </a:ln>
+            <a:effectLst>
+              <a:softEdge rad="0"/>
+            </a:effectLst>
+          </p:spPr>
+          <p:style>
+            <a:lnRef idx="2">
+              <a:schemeClr val="accent1">
+                <a:shade val="50000"/>
+              </a:schemeClr>
+            </a:lnRef>
+            <a:fillRef idx="1">
+              <a:schemeClr val="accent1"/>
+            </a:fillRef>
+            <a:effectRef idx="0">
+              <a:schemeClr val="accent1"/>
+            </a:effectRef>
+            <a:fontRef idx="minor">
+              <a:schemeClr val="lt1"/>
+            </a:fontRef>
+          </p:style>
+          <p:txBody>
+            <a:bodyPr rot="0" spcFirstLastPara="0" vertOverflow="overflow" horzOverflow="overflow" vert="horz" wrap="square" lIns="91440" tIns="45720" rIns="91440" bIns="45720" numCol="1" spcCol="0" rtlCol="0" fromWordArt="0" anchor="ctr" anchorCtr="0" forceAA="0" compatLnSpc="1">
+              <a:prstTxWarp prst="textNoShape">
+                <a:avLst/>
+              </a:prstTxWarp>
+              <a:noAutofit/>
+            </a:bodyPr>
+            <a:lstStyle/>
+            <a:p>
+              <a:pPr algn="ctr"/>
+              <a:r>
+                <a:rPr lang="en-US" sz="800" dirty="0" smtClean="0">
+                  <a:solidFill>
+                    <a:schemeClr val="bg1"/>
+                  </a:solidFill>
+                  <a:latin typeface="Times New Roman" panose="02020603050405020304" pitchFamily="18" charset="0"/>
+                  <a:cs typeface="Times New Roman" panose="02020603050405020304" pitchFamily="18" charset="0"/>
+                </a:rPr>
+                <a:t>Define parameters</a:t>
+              </a:r>
+            </a:p>
+          </p:txBody>
+        </p:sp>
+        <p:sp>
+          <p:nvSpPr>
+            <p:cNvPr id="5" name="Rounded Rectangle 4"/>
+            <p:cNvSpPr/>
+            <p:nvPr/>
+          </p:nvSpPr>
+          <p:spPr>
+            <a:xfrm>
+              <a:off x="5351096" y="3243470"/>
+              <a:ext cx="821802" cy="409906"/>
+            </a:xfrm>
+            <a:prstGeom prst="roundRect">
+              <a:avLst/>
+            </a:prstGeom>
+            <a:solidFill>
+              <a:srgbClr val="C00000"/>
+            </a:solidFill>
+            <a:ln w="19050">
+              <a:noFill/>
+              <a:prstDash val="solid"/>
+            </a:ln>
+            <a:effectLst>
+              <a:softEdge rad="0"/>
+            </a:effectLst>
+          </p:spPr>
+          <p:style>
+            <a:lnRef idx="2">
+              <a:schemeClr val="accent1">
+                <a:shade val="50000"/>
+              </a:schemeClr>
+            </a:lnRef>
+            <a:fillRef idx="1">
+              <a:schemeClr val="accent1"/>
+            </a:fillRef>
+            <a:effectRef idx="0">
+              <a:schemeClr val="accent1"/>
+            </a:effectRef>
+            <a:fontRef idx="minor">
+              <a:schemeClr val="lt1"/>
+            </a:fontRef>
+          </p:style>
+          <p:txBody>
+            <a:bodyPr rot="0" spcFirstLastPara="0" vertOverflow="overflow" horzOverflow="overflow" vert="horz" wrap="square" lIns="91440" tIns="45720" rIns="91440" bIns="45720" numCol="1" spcCol="0" rtlCol="0" fromWordArt="0" anchor="ctr" anchorCtr="0" forceAA="0" compatLnSpc="1">
+              <a:prstTxWarp prst="textNoShape">
+                <a:avLst/>
+              </a:prstTxWarp>
+              <a:noAutofit/>
+            </a:bodyPr>
+            <a:lstStyle/>
+            <a:p>
+              <a:pPr algn="ctr"/>
+              <a:r>
+                <a:rPr lang="en-US" sz="800" dirty="0" smtClean="0">
+                  <a:solidFill>
+                    <a:schemeClr val="bg1"/>
+                  </a:solidFill>
+                  <a:latin typeface="Times New Roman" panose="02020603050405020304" pitchFamily="18" charset="0"/>
+                  <a:cs typeface="Times New Roman" panose="02020603050405020304" pitchFamily="18" charset="0"/>
+                </a:rPr>
+                <a:t>Select and define objective</a:t>
+              </a:r>
+            </a:p>
+          </p:txBody>
+        </p:sp>
+        <p:sp>
+          <p:nvSpPr>
+            <p:cNvPr id="7" name="Rounded Rectangle 6"/>
+            <p:cNvSpPr/>
+            <p:nvPr/>
+          </p:nvSpPr>
+          <p:spPr>
+            <a:xfrm>
+              <a:off x="2413232" y="3243470"/>
+              <a:ext cx="821802" cy="409906"/>
+            </a:xfrm>
+            <a:prstGeom prst="roundRect">
+              <a:avLst/>
+            </a:prstGeom>
+            <a:solidFill>
+              <a:srgbClr val="C00000"/>
+            </a:solidFill>
+            <a:ln w="19050">
+              <a:noFill/>
+              <a:prstDash val="solid"/>
+            </a:ln>
+            <a:effectLst>
+              <a:softEdge rad="0"/>
+            </a:effectLst>
+          </p:spPr>
+          <p:style>
+            <a:lnRef idx="2">
+              <a:schemeClr val="accent1">
+                <a:shade val="50000"/>
+              </a:schemeClr>
+            </a:lnRef>
+            <a:fillRef idx="1">
+              <a:schemeClr val="accent1"/>
+            </a:fillRef>
+            <a:effectRef idx="0">
+              <a:schemeClr val="accent1"/>
+            </a:effectRef>
+            <a:fontRef idx="minor">
+              <a:schemeClr val="lt1"/>
+            </a:fontRef>
+          </p:style>
+          <p:txBody>
+            <a:bodyPr rot="0" spcFirstLastPara="0" vertOverflow="overflow" horzOverflow="overflow" vert="horz" wrap="square" lIns="91440" tIns="45720" rIns="91440" bIns="45720" numCol="1" spcCol="0" rtlCol="0" fromWordArt="0" anchor="ctr" anchorCtr="0" forceAA="0" compatLnSpc="1">
+              <a:prstTxWarp prst="textNoShape">
+                <a:avLst/>
+              </a:prstTxWarp>
+              <a:noAutofit/>
+            </a:bodyPr>
+            <a:lstStyle/>
+            <a:p>
+              <a:pPr algn="ctr"/>
+              <a:r>
+                <a:rPr lang="en-US" sz="800" dirty="0" smtClean="0">
+                  <a:solidFill>
+                    <a:schemeClr val="bg1"/>
+                  </a:solidFill>
+                  <a:latin typeface="Times New Roman" panose="02020603050405020304" pitchFamily="18" charset="0"/>
+                  <a:cs typeface="Times New Roman" panose="02020603050405020304" pitchFamily="18" charset="0"/>
+                </a:rPr>
+                <a:t>Define Instance name</a:t>
+              </a:r>
+            </a:p>
+          </p:txBody>
+        </p:sp>
+        <p:cxnSp>
+          <p:nvCxnSpPr>
+            <p:cNvPr id="9" name="Straight Arrow Connector 8"/>
+            <p:cNvCxnSpPr/>
+            <p:nvPr/>
+          </p:nvCxnSpPr>
+          <p:spPr>
+            <a:xfrm flipV="1">
+              <a:off x="1766102" y="3448423"/>
+              <a:ext cx="647130" cy="2"/>
+            </a:xfrm>
+            <a:prstGeom prst="straightConnector1">
+              <a:avLst/>
+            </a:prstGeom>
+            <a:ln w="12700">
+              <a:solidFill>
+                <a:schemeClr val="tx1"/>
+              </a:solidFill>
+              <a:tailEnd type="triangle"/>
+            </a:ln>
+          </p:spPr>
+          <p:style>
+            <a:lnRef idx="1">
+              <a:schemeClr val="dk1"/>
+            </a:lnRef>
+            <a:fillRef idx="0">
+              <a:schemeClr val="dk1"/>
+            </a:fillRef>
+            <a:effectRef idx="0">
+              <a:schemeClr val="dk1"/>
+            </a:effectRef>
+            <a:fontRef idx="minor">
+              <a:schemeClr val="tx1"/>
+            </a:fontRef>
+          </p:style>
+        </p:cxnSp>
+        <p:cxnSp>
+          <p:nvCxnSpPr>
+            <p:cNvPr id="11" name="Straight Arrow Connector 10"/>
+            <p:cNvCxnSpPr/>
+            <p:nvPr/>
+          </p:nvCxnSpPr>
+          <p:spPr>
+            <a:xfrm>
+              <a:off x="3235034" y="3448423"/>
+              <a:ext cx="647130" cy="0"/>
+            </a:xfrm>
+            <a:prstGeom prst="straightConnector1">
+              <a:avLst/>
+            </a:prstGeom>
+            <a:ln w="12700">
+              <a:solidFill>
+                <a:schemeClr val="tx1"/>
+              </a:solidFill>
+              <a:tailEnd type="triangle"/>
+            </a:ln>
+          </p:spPr>
+          <p:style>
+            <a:lnRef idx="1">
+              <a:schemeClr val="dk1"/>
+            </a:lnRef>
+            <a:fillRef idx="0">
+              <a:schemeClr val="dk1"/>
+            </a:fillRef>
+            <a:effectRef idx="0">
+              <a:schemeClr val="dk1"/>
+            </a:effectRef>
+            <a:fontRef idx="minor">
+              <a:schemeClr val="tx1"/>
+            </a:fontRef>
+          </p:style>
+        </p:cxnSp>
+        <p:cxnSp>
+          <p:nvCxnSpPr>
+            <p:cNvPr id="13" name="Straight Arrow Connector 12"/>
+            <p:cNvCxnSpPr/>
+            <p:nvPr/>
+          </p:nvCxnSpPr>
+          <p:spPr>
+            <a:xfrm>
+              <a:off x="4703966" y="3448423"/>
+              <a:ext cx="647130" cy="0"/>
+            </a:xfrm>
+            <a:prstGeom prst="straightConnector1">
+              <a:avLst/>
+            </a:prstGeom>
+            <a:ln w="12700">
+              <a:solidFill>
+                <a:schemeClr val="tx1"/>
+              </a:solidFill>
+              <a:tailEnd type="triangle"/>
+            </a:ln>
+          </p:spPr>
+          <p:style>
+            <a:lnRef idx="1">
+              <a:schemeClr val="dk1"/>
+            </a:lnRef>
+            <a:fillRef idx="0">
+              <a:schemeClr val="dk1"/>
+            </a:fillRef>
+            <a:effectRef idx="0">
+              <a:schemeClr val="dk1"/>
+            </a:effectRef>
+            <a:fontRef idx="minor">
+              <a:schemeClr val="tx1"/>
+            </a:fontRef>
+          </p:style>
+        </p:cxnSp>
+        <p:cxnSp>
+          <p:nvCxnSpPr>
+            <p:cNvPr id="14" name="Straight Arrow Connector 13"/>
+            <p:cNvCxnSpPr/>
+            <p:nvPr/>
+          </p:nvCxnSpPr>
+          <p:spPr>
+            <a:xfrm>
+              <a:off x="6172898" y="3448423"/>
+              <a:ext cx="647130" cy="0"/>
+            </a:xfrm>
+            <a:prstGeom prst="straightConnector1">
+              <a:avLst/>
+            </a:prstGeom>
+            <a:ln w="12700">
+              <a:solidFill>
+                <a:schemeClr val="tx1"/>
+              </a:solidFill>
+              <a:tailEnd type="triangle"/>
+            </a:ln>
+          </p:spPr>
+          <p:style>
+            <a:lnRef idx="1">
+              <a:schemeClr val="dk1"/>
+            </a:lnRef>
+            <a:fillRef idx="0">
+              <a:schemeClr val="dk1"/>
+            </a:fillRef>
+            <a:effectRef idx="0">
+              <a:schemeClr val="dk1"/>
+            </a:effectRef>
+            <a:fontRef idx="minor">
+              <a:schemeClr val="tx1"/>
+            </a:fontRef>
+          </p:style>
+        </p:cxnSp>
+        <p:sp>
+          <p:nvSpPr>
+            <p:cNvPr id="16" name="Rounded Rectangle 15"/>
+            <p:cNvSpPr/>
+            <p:nvPr/>
+          </p:nvSpPr>
+          <p:spPr>
+            <a:xfrm>
+              <a:off x="1632467" y="2230539"/>
+              <a:ext cx="812639" cy="539422"/>
+            </a:xfrm>
+            <a:prstGeom prst="roundRect">
+              <a:avLst/>
+            </a:prstGeom>
+            <a:solidFill>
+              <a:schemeClr val="bg2">
+                <a:lumMod val="75000"/>
+              </a:schemeClr>
+            </a:solidFill>
+            <a:ln w="19050">
+              <a:noFill/>
+              <a:prstDash val="dash"/>
+            </a:ln>
+            <a:effectLst>
+              <a:softEdge rad="0"/>
+            </a:effectLst>
+          </p:spPr>
+          <p:style>
+            <a:lnRef idx="2">
+              <a:schemeClr val="accent1">
+                <a:shade val="50000"/>
+              </a:schemeClr>
+            </a:lnRef>
+            <a:fillRef idx="1">
+              <a:schemeClr val="accent1"/>
+            </a:fillRef>
+            <a:effectRef idx="0">
+              <a:schemeClr val="accent1"/>
+            </a:effectRef>
+            <a:fontRef idx="minor">
+              <a:schemeClr val="lt1"/>
+            </a:fontRef>
+          </p:style>
+          <p:txBody>
+            <a:bodyPr rot="0" spcFirstLastPara="0" vertOverflow="overflow" horzOverflow="overflow" vert="horz" wrap="square" lIns="91440" tIns="45720" rIns="91440" bIns="45720" numCol="1" spcCol="0" rtlCol="0" fromWordArt="0" anchor="ctr" anchorCtr="0" forceAA="0" compatLnSpc="1">
+              <a:prstTxWarp prst="textNoShape">
+                <a:avLst/>
+              </a:prstTxWarp>
+              <a:noAutofit/>
+            </a:bodyPr>
+            <a:lstStyle/>
+            <a:p>
+              <a:pPr algn="ctr"/>
+              <a:r>
+                <a:rPr lang="en-US" sz="900" dirty="0" smtClean="0">
+                  <a:solidFill>
+                    <a:schemeClr val="tx1"/>
+                  </a:solidFill>
+                  <a:latin typeface="Times New Roman" panose="02020603050405020304" pitchFamily="18" charset="0"/>
+                  <a:cs typeface="Times New Roman" panose="02020603050405020304" pitchFamily="18" charset="0"/>
+                </a:rPr>
+                <a:t>Create new blank JSON object</a:t>
+              </a:r>
+            </a:p>
+          </p:txBody>
+        </p:sp>
+        <p:sp>
+          <p:nvSpPr>
+            <p:cNvPr id="17" name="Rounded Rectangle 16"/>
+            <p:cNvSpPr/>
+            <p:nvPr/>
+          </p:nvSpPr>
+          <p:spPr>
+            <a:xfrm>
+              <a:off x="3061650" y="2230539"/>
+              <a:ext cx="883290" cy="539422"/>
+            </a:xfrm>
+            <a:prstGeom prst="roundRect">
+              <a:avLst/>
+            </a:prstGeom>
+            <a:solidFill>
+              <a:schemeClr val="bg2">
+                <a:lumMod val="75000"/>
+              </a:schemeClr>
+            </a:solidFill>
+            <a:ln w="19050">
+              <a:noFill/>
+              <a:prstDash val="dash"/>
+            </a:ln>
+            <a:effectLst>
+              <a:softEdge rad="0"/>
+            </a:effectLst>
+          </p:spPr>
+          <p:style>
+            <a:lnRef idx="2">
+              <a:schemeClr val="accent1">
+                <a:shade val="50000"/>
+              </a:schemeClr>
+            </a:lnRef>
+            <a:fillRef idx="1">
+              <a:schemeClr val="accent1"/>
+            </a:fillRef>
+            <a:effectRef idx="0">
+              <a:schemeClr val="accent1"/>
+            </a:effectRef>
+            <a:fontRef idx="minor">
+              <a:schemeClr val="lt1"/>
+            </a:fontRef>
+          </p:style>
+          <p:txBody>
+            <a:bodyPr rot="0" spcFirstLastPara="0" vertOverflow="overflow" horzOverflow="overflow" vert="horz" wrap="square" lIns="91440" tIns="45720" rIns="91440" bIns="45720" numCol="1" spcCol="0" rtlCol="0" fromWordArt="0" anchor="ctr" anchorCtr="0" forceAA="0" compatLnSpc="1">
+              <a:prstTxWarp prst="textNoShape">
+                <a:avLst/>
+              </a:prstTxWarp>
+              <a:noAutofit/>
+            </a:bodyPr>
+            <a:lstStyle/>
+            <a:p>
+              <a:pPr algn="ctr"/>
+              <a:r>
+                <a:rPr lang="en-US" sz="900" dirty="0" smtClean="0">
+                  <a:solidFill>
+                    <a:schemeClr val="tx1"/>
+                  </a:solidFill>
+                  <a:latin typeface="Times New Roman" panose="02020603050405020304" pitchFamily="18" charset="0"/>
+                  <a:cs typeface="Times New Roman" panose="02020603050405020304" pitchFamily="18" charset="0"/>
+                </a:rPr>
+                <a:t>Edit </a:t>
+              </a:r>
+              <a:r>
+                <a:rPr lang="en-US" sz="900" dirty="0" smtClean="0">
+                  <a:solidFill>
+                    <a:schemeClr val="tx1"/>
+                  </a:solidFill>
+                  <a:latin typeface="Courier" pitchFamily="49" charset="0"/>
+                  <a:cs typeface="Times New Roman" panose="02020603050405020304" pitchFamily="18" charset="0"/>
+                </a:rPr>
+                <a:t>“Name</a:t>
+              </a:r>
+              <a:r>
+                <a:rPr lang="en-US" sz="900" dirty="0" smtClean="0">
+                  <a:solidFill>
+                    <a:schemeClr val="tx1"/>
+                  </a:solidFill>
+                  <a:latin typeface="Courier" pitchFamily="49" charset="0"/>
+                  <a:cs typeface="Times New Roman" panose="02020603050405020304" pitchFamily="18" charset="0"/>
+                </a:rPr>
+                <a:t>”</a:t>
+              </a:r>
+              <a:r>
+                <a:rPr lang="en-US" sz="900" dirty="0" smtClean="0">
+                  <a:solidFill>
+                    <a:schemeClr val="tx1"/>
+                  </a:solidFill>
+                  <a:latin typeface="Times New Roman" panose="02020603050405020304" pitchFamily="18" charset="0"/>
+                  <a:cs typeface="Times New Roman" panose="02020603050405020304" pitchFamily="18" charset="0"/>
+                </a:rPr>
+                <a:t> field </a:t>
+              </a:r>
+            </a:p>
+          </p:txBody>
+        </p:sp>
+        <p:sp>
+          <p:nvSpPr>
+            <p:cNvPr id="18" name="Rounded Rectangle 17"/>
+            <p:cNvSpPr/>
+            <p:nvPr/>
+          </p:nvSpPr>
+          <p:spPr>
+            <a:xfrm>
+              <a:off x="4469226" y="2193069"/>
+              <a:ext cx="944646" cy="576892"/>
+            </a:xfrm>
+            <a:prstGeom prst="roundRect">
+              <a:avLst/>
+            </a:prstGeom>
+            <a:solidFill>
+              <a:schemeClr val="bg2">
+                <a:lumMod val="75000"/>
+              </a:schemeClr>
+            </a:solidFill>
+            <a:ln w="19050">
+              <a:noFill/>
+              <a:prstDash val="dash"/>
+            </a:ln>
+            <a:effectLst>
+              <a:softEdge rad="0"/>
+            </a:effectLst>
+          </p:spPr>
+          <p:style>
+            <a:lnRef idx="2">
+              <a:schemeClr val="accent1">
+                <a:shade val="50000"/>
+              </a:schemeClr>
+            </a:lnRef>
+            <a:fillRef idx="1">
+              <a:schemeClr val="accent1"/>
+            </a:fillRef>
+            <a:effectRef idx="0">
+              <a:schemeClr val="accent1"/>
+            </a:effectRef>
+            <a:fontRef idx="minor">
+              <a:schemeClr val="lt1"/>
+            </a:fontRef>
+          </p:style>
+          <p:txBody>
+            <a:bodyPr rot="0" spcFirstLastPara="0" vertOverflow="overflow" horzOverflow="overflow" vert="horz" wrap="square" lIns="91440" tIns="45720" rIns="91440" bIns="45720" numCol="1" spcCol="0" rtlCol="0" fromWordArt="0" anchor="ctr" anchorCtr="0" forceAA="0" compatLnSpc="1">
+              <a:prstTxWarp prst="textNoShape">
+                <a:avLst/>
+              </a:prstTxWarp>
+              <a:noAutofit/>
+            </a:bodyPr>
+            <a:lstStyle/>
+            <a:p>
+              <a:pPr algn="ctr"/>
+              <a:r>
+                <a:rPr lang="en-US" sz="900" dirty="0" smtClean="0">
+                  <a:solidFill>
+                    <a:schemeClr val="tx1"/>
+                  </a:solidFill>
+                  <a:latin typeface="Times New Roman" panose="02020603050405020304" pitchFamily="18" charset="0"/>
+                  <a:cs typeface="Times New Roman" panose="02020603050405020304" pitchFamily="18" charset="0"/>
+                </a:rPr>
+                <a:t>Add nested JSON objects</a:t>
+              </a:r>
+            </a:p>
+          </p:txBody>
+        </p:sp>
+        <p:sp>
+          <p:nvSpPr>
+            <p:cNvPr id="19" name="Rounded Rectangle 18"/>
+            <p:cNvSpPr/>
+            <p:nvPr/>
+          </p:nvSpPr>
+          <p:spPr>
+            <a:xfrm>
+              <a:off x="5938158" y="2193069"/>
+              <a:ext cx="944646" cy="576892"/>
+            </a:xfrm>
+            <a:prstGeom prst="roundRect">
+              <a:avLst/>
+            </a:prstGeom>
+            <a:solidFill>
+              <a:schemeClr val="bg2">
+                <a:lumMod val="75000"/>
+              </a:schemeClr>
+            </a:solidFill>
+            <a:ln w="19050">
+              <a:noFill/>
+              <a:prstDash val="dash"/>
+            </a:ln>
+            <a:effectLst>
+              <a:softEdge rad="0"/>
+            </a:effectLst>
+          </p:spPr>
+          <p:style>
+            <a:lnRef idx="2">
+              <a:schemeClr val="accent1">
+                <a:shade val="50000"/>
+              </a:schemeClr>
+            </a:lnRef>
+            <a:fillRef idx="1">
+              <a:schemeClr val="accent1"/>
+            </a:fillRef>
+            <a:effectRef idx="0">
+              <a:schemeClr val="accent1"/>
+            </a:effectRef>
+            <a:fontRef idx="minor">
+              <a:schemeClr val="lt1"/>
+            </a:fontRef>
+          </p:style>
+          <p:txBody>
+            <a:bodyPr rot="0" spcFirstLastPara="0" vertOverflow="overflow" horzOverflow="overflow" vert="horz" wrap="square" lIns="91440" tIns="45720" rIns="91440" bIns="45720" numCol="1" spcCol="0" rtlCol="0" fromWordArt="0" anchor="ctr" anchorCtr="0" forceAA="0" compatLnSpc="1">
+              <a:prstTxWarp prst="textNoShape">
+                <a:avLst/>
+              </a:prstTxWarp>
+              <a:noAutofit/>
+            </a:bodyPr>
+            <a:lstStyle/>
+            <a:p>
+              <a:pPr algn="ctr"/>
+              <a:r>
+                <a:rPr lang="en-US" sz="900" dirty="0" smtClean="0">
+                  <a:solidFill>
+                    <a:schemeClr val="tx1"/>
+                  </a:solidFill>
+                  <a:latin typeface="Times New Roman" panose="02020603050405020304" pitchFamily="18" charset="0"/>
+                  <a:cs typeface="Times New Roman" panose="02020603050405020304" pitchFamily="18" charset="0"/>
+                </a:rPr>
+                <a:t>Add Horizon or Orders to JSON</a:t>
+              </a:r>
+            </a:p>
+          </p:txBody>
+        </p:sp>
+        <p:sp>
+          <p:nvSpPr>
+            <p:cNvPr id="21" name="Rounded Rectangle 20"/>
+            <p:cNvSpPr/>
+            <p:nvPr/>
+          </p:nvSpPr>
+          <p:spPr>
+            <a:xfrm>
+              <a:off x="7591722" y="4205177"/>
+              <a:ext cx="1092917" cy="602761"/>
+            </a:xfrm>
+            <a:prstGeom prst="roundRect">
+              <a:avLst/>
+            </a:prstGeom>
+            <a:solidFill>
+              <a:srgbClr val="F0904E"/>
+            </a:solidFill>
+            <a:ln w="19050">
+              <a:noFill/>
+              <a:prstDash val="dash"/>
+            </a:ln>
+            <a:effectLst>
+              <a:softEdge rad="0"/>
+            </a:effectLst>
+          </p:spPr>
+          <p:style>
+            <a:lnRef idx="2">
+              <a:schemeClr val="accent1">
+                <a:shade val="50000"/>
+              </a:schemeClr>
+            </a:lnRef>
+            <a:fillRef idx="1">
+              <a:schemeClr val="accent1"/>
+            </a:fillRef>
+            <a:effectRef idx="0">
+              <a:schemeClr val="accent1"/>
+            </a:effectRef>
+            <a:fontRef idx="minor">
+              <a:schemeClr val="lt1"/>
+            </a:fontRef>
+          </p:style>
+          <p:txBody>
+            <a:bodyPr rot="0" spcFirstLastPara="0" vertOverflow="overflow" horzOverflow="overflow" vert="horz" wrap="square" lIns="91440" tIns="45720" rIns="91440" bIns="45720" numCol="1" spcCol="0" rtlCol="0" fromWordArt="0" anchor="ctr" anchorCtr="0" forceAA="0" compatLnSpc="1">
+              <a:prstTxWarp prst="textNoShape">
+                <a:avLst/>
+              </a:prstTxWarp>
+              <a:noAutofit/>
+            </a:bodyPr>
+            <a:lstStyle/>
+            <a:p>
+              <a:pPr algn="ctr"/>
+              <a:r>
+                <a:rPr lang="en-US" sz="900" dirty="0" err="1" smtClean="0">
+                  <a:solidFill>
+                    <a:schemeClr val="tx1"/>
+                  </a:solidFill>
+                  <a:latin typeface="Times New Roman" panose="02020603050405020304" pitchFamily="18" charset="0"/>
+                  <a:cs typeface="Times New Roman" panose="02020603050405020304" pitchFamily="18" charset="0"/>
+                </a:rPr>
+                <a:t>Deserialize</a:t>
+              </a:r>
+              <a:r>
+                <a:rPr lang="en-US" sz="900" dirty="0" smtClean="0">
+                  <a:solidFill>
+                    <a:schemeClr val="tx1"/>
+                  </a:solidFill>
+                  <a:latin typeface="Times New Roman" panose="02020603050405020304" pitchFamily="18" charset="0"/>
+                  <a:cs typeface="Times New Roman" panose="02020603050405020304" pitchFamily="18" charset="0"/>
+                </a:rPr>
+                <a:t> JSON, Generate C++ objects</a:t>
+              </a:r>
+            </a:p>
+          </p:txBody>
+        </p:sp>
+        <p:sp>
+          <p:nvSpPr>
+            <p:cNvPr id="22" name="Rounded Rectangle 21"/>
+            <p:cNvSpPr/>
+            <p:nvPr/>
+          </p:nvSpPr>
+          <p:spPr>
+            <a:xfrm>
+              <a:off x="8938823" y="4205177"/>
+              <a:ext cx="991008" cy="602761"/>
+            </a:xfrm>
+            <a:prstGeom prst="roundRect">
+              <a:avLst/>
+            </a:prstGeom>
+            <a:solidFill>
+              <a:srgbClr val="F0904E"/>
+            </a:solidFill>
+            <a:ln w="19050">
+              <a:noFill/>
+              <a:prstDash val="dash"/>
+            </a:ln>
+            <a:effectLst>
+              <a:softEdge rad="0"/>
+            </a:effectLst>
+          </p:spPr>
+          <p:style>
+            <a:lnRef idx="2">
+              <a:schemeClr val="accent1">
+                <a:shade val="50000"/>
+              </a:schemeClr>
+            </a:lnRef>
+            <a:fillRef idx="1">
+              <a:schemeClr val="accent1"/>
+            </a:fillRef>
+            <a:effectRef idx="0">
+              <a:schemeClr val="accent1"/>
+            </a:effectRef>
+            <a:fontRef idx="minor">
+              <a:schemeClr val="lt1"/>
+            </a:fontRef>
+          </p:style>
+          <p:txBody>
+            <a:bodyPr rot="0" spcFirstLastPara="0" vertOverflow="overflow" horzOverflow="overflow" vert="horz" wrap="square" lIns="91440" tIns="45720" rIns="91440" bIns="45720" numCol="1" spcCol="0" rtlCol="0" fromWordArt="0" anchor="ctr" anchorCtr="0" forceAA="0" compatLnSpc="1">
+              <a:prstTxWarp prst="textNoShape">
+                <a:avLst/>
+              </a:prstTxWarp>
+              <a:noAutofit/>
+            </a:bodyPr>
+            <a:lstStyle/>
+            <a:p>
+              <a:pPr algn="ctr"/>
+              <a:r>
+                <a:rPr lang="en-US" sz="1000" dirty="0" smtClean="0">
+                  <a:solidFill>
+                    <a:schemeClr val="tx1"/>
+                  </a:solidFill>
+                  <a:latin typeface="Times New Roman" panose="02020603050405020304" pitchFamily="18" charset="0"/>
+                  <a:cs typeface="Times New Roman" panose="02020603050405020304" pitchFamily="18" charset="0"/>
+                </a:rPr>
+                <a:t>Optimize model using CPLEX</a:t>
+              </a:r>
+            </a:p>
+          </p:txBody>
+        </p:sp>
+        <p:sp>
+          <p:nvSpPr>
+            <p:cNvPr id="25" name="Rounded Rectangle 24"/>
+            <p:cNvSpPr/>
+            <p:nvPr/>
+          </p:nvSpPr>
+          <p:spPr>
+            <a:xfrm>
+              <a:off x="8288960" y="3243470"/>
+              <a:ext cx="821802" cy="409906"/>
+            </a:xfrm>
+            <a:prstGeom prst="roundRect">
+              <a:avLst/>
+            </a:prstGeom>
+            <a:solidFill>
+              <a:srgbClr val="C00000"/>
+            </a:solidFill>
+            <a:ln w="19050">
+              <a:noFill/>
+              <a:prstDash val="solid"/>
+            </a:ln>
+            <a:effectLst>
+              <a:softEdge rad="0"/>
+            </a:effectLst>
+          </p:spPr>
+          <p:style>
+            <a:lnRef idx="2">
+              <a:schemeClr val="accent1">
+                <a:shade val="50000"/>
+              </a:schemeClr>
+            </a:lnRef>
+            <a:fillRef idx="1">
+              <a:schemeClr val="accent1"/>
+            </a:fillRef>
+            <a:effectRef idx="0">
+              <a:schemeClr val="accent1"/>
+            </a:effectRef>
+            <a:fontRef idx="minor">
+              <a:schemeClr val="lt1"/>
+            </a:fontRef>
+          </p:style>
+          <p:txBody>
+            <a:bodyPr rot="0" spcFirstLastPara="0" vertOverflow="overflow" horzOverflow="overflow" vert="horz" wrap="square" lIns="91440" tIns="45720" rIns="91440" bIns="45720" numCol="1" spcCol="0" rtlCol="0" fromWordArt="0" anchor="ctr" anchorCtr="0" forceAA="0" compatLnSpc="1">
+              <a:prstTxWarp prst="textNoShape">
+                <a:avLst/>
+              </a:prstTxWarp>
+              <a:noAutofit/>
+            </a:bodyPr>
+            <a:lstStyle/>
+            <a:p>
+              <a:pPr algn="ctr"/>
+              <a:r>
+                <a:rPr lang="en-US" sz="800" dirty="0" smtClean="0">
+                  <a:solidFill>
+                    <a:schemeClr val="bg1"/>
+                  </a:solidFill>
+                  <a:latin typeface="Times New Roman" panose="02020603050405020304" pitchFamily="18" charset="0"/>
+                  <a:cs typeface="Times New Roman" panose="02020603050405020304" pitchFamily="18" charset="0"/>
+                </a:rPr>
+                <a:t>Submit for processing</a:t>
+              </a:r>
+            </a:p>
+          </p:txBody>
+        </p:sp>
+        <p:sp>
+          <p:nvSpPr>
+            <p:cNvPr id="26" name="Rounded Rectangle 25"/>
+            <p:cNvSpPr/>
+            <p:nvPr/>
+          </p:nvSpPr>
+          <p:spPr>
+            <a:xfrm>
+              <a:off x="9761125" y="3243470"/>
+              <a:ext cx="821802" cy="409906"/>
+            </a:xfrm>
+            <a:prstGeom prst="roundRect">
+              <a:avLst/>
+            </a:prstGeom>
+            <a:solidFill>
+              <a:srgbClr val="C00000"/>
+            </a:solidFill>
+            <a:ln w="19050">
+              <a:noFill/>
+              <a:prstDash val="solid"/>
+            </a:ln>
+            <a:effectLst>
+              <a:softEdge rad="0"/>
+            </a:effectLst>
+          </p:spPr>
+          <p:style>
+            <a:lnRef idx="2">
+              <a:schemeClr val="accent1">
+                <a:shade val="50000"/>
+              </a:schemeClr>
+            </a:lnRef>
+            <a:fillRef idx="1">
+              <a:schemeClr val="accent1"/>
+            </a:fillRef>
+            <a:effectRef idx="0">
+              <a:schemeClr val="accent1"/>
+            </a:effectRef>
+            <a:fontRef idx="minor">
+              <a:schemeClr val="lt1"/>
+            </a:fontRef>
+          </p:style>
+          <p:txBody>
+            <a:bodyPr rot="0" spcFirstLastPara="0" vertOverflow="overflow" horzOverflow="overflow" vert="horz" wrap="square" lIns="91440" tIns="45720" rIns="91440" bIns="45720" numCol="1" spcCol="0" rtlCol="0" fromWordArt="0" anchor="ctr" anchorCtr="0" forceAA="0" compatLnSpc="1">
+              <a:prstTxWarp prst="textNoShape">
+                <a:avLst/>
+              </a:prstTxWarp>
+              <a:noAutofit/>
+            </a:bodyPr>
+            <a:lstStyle/>
+            <a:p>
+              <a:pPr algn="ctr"/>
+              <a:r>
+                <a:rPr lang="en-US" sz="800" dirty="0" smtClean="0">
+                  <a:solidFill>
+                    <a:schemeClr val="bg1"/>
+                  </a:solidFill>
+                  <a:latin typeface="Times New Roman" panose="02020603050405020304" pitchFamily="18" charset="0"/>
+                  <a:cs typeface="Times New Roman" panose="02020603050405020304" pitchFamily="18" charset="0"/>
+                </a:rPr>
+                <a:t>View Results</a:t>
+              </a:r>
+            </a:p>
+          </p:txBody>
+        </p:sp>
+        <p:cxnSp>
+          <p:nvCxnSpPr>
+            <p:cNvPr id="27" name="Straight Arrow Connector 26"/>
+            <p:cNvCxnSpPr/>
+            <p:nvPr/>
+          </p:nvCxnSpPr>
+          <p:spPr>
+            <a:xfrm>
+              <a:off x="9110762" y="3448423"/>
+              <a:ext cx="647130" cy="0"/>
+            </a:xfrm>
+            <a:prstGeom prst="straightConnector1">
+              <a:avLst/>
+            </a:prstGeom>
+            <a:ln w="12700">
+              <a:solidFill>
+                <a:schemeClr val="tx1"/>
+              </a:solidFill>
+              <a:tailEnd type="triangle"/>
+            </a:ln>
+          </p:spPr>
+          <p:style>
+            <a:lnRef idx="1">
+              <a:schemeClr val="dk1"/>
+            </a:lnRef>
+            <a:fillRef idx="0">
+              <a:schemeClr val="dk1"/>
+            </a:fillRef>
+            <a:effectRef idx="0">
+              <a:schemeClr val="dk1"/>
+            </a:effectRef>
+            <a:fontRef idx="minor">
+              <a:schemeClr val="tx1"/>
+            </a:fontRef>
+          </p:style>
+        </p:cxnSp>
+        <p:sp>
+          <p:nvSpPr>
+            <p:cNvPr id="28" name="Rounded Rectangle 27"/>
+            <p:cNvSpPr/>
+            <p:nvPr/>
+          </p:nvSpPr>
+          <p:spPr>
+            <a:xfrm>
+              <a:off x="6820028" y="3243470"/>
+              <a:ext cx="821802" cy="409906"/>
+            </a:xfrm>
+            <a:prstGeom prst="roundRect">
+              <a:avLst/>
+            </a:prstGeom>
+            <a:solidFill>
+              <a:srgbClr val="C00000"/>
+            </a:solidFill>
+            <a:ln w="19050">
+              <a:noFill/>
+              <a:prstDash val="solid"/>
+            </a:ln>
+            <a:effectLst>
+              <a:softEdge rad="0"/>
+            </a:effectLst>
+          </p:spPr>
+          <p:style>
+            <a:lnRef idx="2">
+              <a:schemeClr val="accent1">
+                <a:shade val="50000"/>
+              </a:schemeClr>
+            </a:lnRef>
+            <a:fillRef idx="1">
+              <a:schemeClr val="accent1"/>
+            </a:fillRef>
+            <a:effectRef idx="0">
+              <a:schemeClr val="accent1"/>
+            </a:effectRef>
+            <a:fontRef idx="minor">
+              <a:schemeClr val="lt1"/>
+            </a:fontRef>
+          </p:style>
+          <p:txBody>
+            <a:bodyPr rot="0" spcFirstLastPara="0" vertOverflow="overflow" horzOverflow="overflow" vert="horz" wrap="square" lIns="91440" tIns="45720" rIns="91440" bIns="45720" numCol="1" spcCol="0" rtlCol="0" fromWordArt="0" anchor="ctr" anchorCtr="0" forceAA="0" compatLnSpc="1">
+              <a:prstTxWarp prst="textNoShape">
+                <a:avLst/>
+              </a:prstTxWarp>
+              <a:noAutofit/>
+            </a:bodyPr>
+            <a:lstStyle/>
+            <a:p>
+              <a:pPr algn="ctr"/>
+              <a:r>
+                <a:rPr lang="en-US" sz="800" dirty="0" smtClean="0">
+                  <a:solidFill>
+                    <a:schemeClr val="bg1"/>
+                  </a:solidFill>
+                  <a:latin typeface="Times New Roman" panose="02020603050405020304" pitchFamily="18" charset="0"/>
+                  <a:cs typeface="Times New Roman" panose="02020603050405020304" pitchFamily="18" charset="0"/>
+                </a:rPr>
+                <a:t>Select Model and event points</a:t>
+              </a:r>
+            </a:p>
+          </p:txBody>
+        </p:sp>
+        <p:cxnSp>
+          <p:nvCxnSpPr>
+            <p:cNvPr id="29" name="Straight Arrow Connector 28"/>
+            <p:cNvCxnSpPr/>
+            <p:nvPr/>
+          </p:nvCxnSpPr>
+          <p:spPr>
+            <a:xfrm>
+              <a:off x="7641830" y="3448423"/>
+              <a:ext cx="647130" cy="0"/>
+            </a:xfrm>
+            <a:prstGeom prst="straightConnector1">
+              <a:avLst/>
+            </a:prstGeom>
+            <a:ln w="12700">
+              <a:solidFill>
+                <a:schemeClr val="tx1"/>
+              </a:solidFill>
+              <a:tailEnd type="triangle"/>
+            </a:ln>
+          </p:spPr>
+          <p:style>
+            <a:lnRef idx="1">
+              <a:schemeClr val="dk1"/>
+            </a:lnRef>
+            <a:fillRef idx="0">
+              <a:schemeClr val="dk1"/>
+            </a:fillRef>
+            <a:effectRef idx="0">
+              <a:schemeClr val="dk1"/>
+            </a:effectRef>
+            <a:fontRef idx="minor">
+              <a:schemeClr val="tx1"/>
+            </a:fontRef>
+          </p:style>
+        </p:cxnSp>
+        <p:sp>
+          <p:nvSpPr>
+            <p:cNvPr id="32" name="Rounded Rectangle 31"/>
+            <p:cNvSpPr/>
+            <p:nvPr/>
+          </p:nvSpPr>
+          <p:spPr>
+            <a:xfrm>
+              <a:off x="7466081" y="2193069"/>
+              <a:ext cx="944646" cy="576892"/>
+            </a:xfrm>
+            <a:prstGeom prst="roundRect">
+              <a:avLst/>
+            </a:prstGeom>
+            <a:solidFill>
+              <a:schemeClr val="bg2">
+                <a:lumMod val="75000"/>
+              </a:schemeClr>
+            </a:solidFill>
+            <a:ln w="19050">
+              <a:noFill/>
+              <a:prstDash val="dash"/>
+            </a:ln>
+            <a:effectLst>
+              <a:softEdge rad="0"/>
+            </a:effectLst>
+          </p:spPr>
+          <p:style>
+            <a:lnRef idx="2">
+              <a:schemeClr val="accent1">
+                <a:shade val="50000"/>
+              </a:schemeClr>
+            </a:lnRef>
+            <a:fillRef idx="1">
+              <a:schemeClr val="accent1"/>
+            </a:fillRef>
+            <a:effectRef idx="0">
+              <a:schemeClr val="accent1"/>
+            </a:effectRef>
+            <a:fontRef idx="minor">
+              <a:schemeClr val="lt1"/>
+            </a:fontRef>
+          </p:style>
+          <p:txBody>
+            <a:bodyPr rot="0" spcFirstLastPara="0" vertOverflow="overflow" horzOverflow="overflow" vert="horz" wrap="square" lIns="91440" tIns="45720" rIns="91440" bIns="45720" numCol="1" spcCol="0" rtlCol="0" fromWordArt="0" anchor="ctr" anchorCtr="0" forceAA="0" compatLnSpc="1">
+              <a:prstTxWarp prst="textNoShape">
+                <a:avLst/>
+              </a:prstTxWarp>
+              <a:noAutofit/>
+            </a:bodyPr>
+            <a:lstStyle/>
+            <a:p>
+              <a:pPr algn="ctr"/>
+              <a:r>
+                <a:rPr lang="en-US" sz="800" dirty="0" smtClean="0">
+                  <a:solidFill>
+                    <a:schemeClr val="tx1"/>
+                  </a:solidFill>
+                  <a:latin typeface="Times New Roman" panose="02020603050405020304" pitchFamily="18" charset="0"/>
+                  <a:cs typeface="Times New Roman" panose="02020603050405020304" pitchFamily="18" charset="0"/>
+                </a:rPr>
+                <a:t>Add JSON </a:t>
+              </a:r>
+              <a:r>
+                <a:rPr lang="en-US" sz="800" dirty="0" smtClean="0">
+                  <a:solidFill>
+                    <a:schemeClr val="tx1"/>
+                  </a:solidFill>
+                  <a:latin typeface="Times New Roman" panose="02020603050405020304" pitchFamily="18" charset="0"/>
+                  <a:cs typeface="Times New Roman" panose="02020603050405020304" pitchFamily="18" charset="0"/>
+                </a:rPr>
+                <a:t>string, </a:t>
+              </a:r>
+              <a:r>
+                <a:rPr lang="en-US" sz="800" dirty="0" smtClean="0">
+                  <a:solidFill>
+                    <a:schemeClr val="tx1"/>
+                  </a:solidFill>
+                  <a:latin typeface="Times New Roman" panose="02020603050405020304" pitchFamily="18" charset="0"/>
+                  <a:cs typeface="Times New Roman" panose="02020603050405020304" pitchFamily="18" charset="0"/>
+                </a:rPr>
+                <a:t>event points, model to database</a:t>
+              </a:r>
+            </a:p>
+          </p:txBody>
+        </p:sp>
+        <p:cxnSp>
+          <p:nvCxnSpPr>
+            <p:cNvPr id="34" name="Elbow Connector 33"/>
+            <p:cNvCxnSpPr>
+              <a:stCxn id="16" idx="3"/>
+            </p:cNvCxnSpPr>
+            <p:nvPr/>
+          </p:nvCxnSpPr>
+          <p:spPr>
+            <a:xfrm flipH="1">
+              <a:off x="2276022" y="2500250"/>
+              <a:ext cx="169084" cy="948173"/>
+            </a:xfrm>
+            <a:prstGeom prst="bentConnector4">
+              <a:avLst>
+                <a:gd name="adj1" fmla="val -135199"/>
+                <a:gd name="adj2" fmla="val 64223"/>
+              </a:avLst>
+            </a:prstGeom>
+            <a:ln>
+              <a:solidFill>
+                <a:schemeClr val="tx1">
+                  <a:lumMod val="50000"/>
+                  <a:lumOff val="50000"/>
+                </a:schemeClr>
+              </a:solidFill>
+              <a:prstDash val="dash"/>
+              <a:headEnd type="none"/>
+              <a:tailEnd type="stealth"/>
+            </a:ln>
+          </p:spPr>
+          <p:style>
+            <a:lnRef idx="1">
+              <a:schemeClr val="dk1"/>
+            </a:lnRef>
+            <a:fillRef idx="0">
+              <a:schemeClr val="dk1"/>
+            </a:fillRef>
+            <a:effectRef idx="0">
+              <a:schemeClr val="dk1"/>
+            </a:effectRef>
+            <a:fontRef idx="minor">
+              <a:schemeClr val="tx1"/>
+            </a:fontRef>
+          </p:style>
+        </p:cxnSp>
+        <p:cxnSp>
+          <p:nvCxnSpPr>
+            <p:cNvPr id="35" name="Elbow Connector 34"/>
+            <p:cNvCxnSpPr>
+              <a:stCxn id="17" idx="3"/>
+            </p:cNvCxnSpPr>
+            <p:nvPr/>
+          </p:nvCxnSpPr>
+          <p:spPr>
+            <a:xfrm flipH="1">
+              <a:off x="3700483" y="2500250"/>
+              <a:ext cx="244457" cy="948173"/>
+            </a:xfrm>
+            <a:prstGeom prst="bentConnector4">
+              <a:avLst>
+                <a:gd name="adj1" fmla="val -70135"/>
+                <a:gd name="adj2" fmla="val 64223"/>
+              </a:avLst>
+            </a:prstGeom>
+            <a:ln>
+              <a:solidFill>
+                <a:schemeClr val="tx1">
+                  <a:lumMod val="50000"/>
+                  <a:lumOff val="50000"/>
+                </a:schemeClr>
+              </a:solidFill>
+              <a:prstDash val="dash"/>
+              <a:headEnd type="none"/>
+              <a:tailEnd type="stealth"/>
+            </a:ln>
+          </p:spPr>
+          <p:style>
+            <a:lnRef idx="1">
+              <a:schemeClr val="dk1"/>
+            </a:lnRef>
+            <a:fillRef idx="0">
+              <a:schemeClr val="dk1"/>
+            </a:fillRef>
+            <a:effectRef idx="0">
+              <a:schemeClr val="dk1"/>
+            </a:effectRef>
+            <a:fontRef idx="minor">
+              <a:schemeClr val="tx1"/>
+            </a:fontRef>
+          </p:style>
+        </p:cxnSp>
+        <p:cxnSp>
+          <p:nvCxnSpPr>
+            <p:cNvPr id="39" name="Elbow Connector 38"/>
+            <p:cNvCxnSpPr>
+              <a:stCxn id="18" idx="3"/>
+            </p:cNvCxnSpPr>
+            <p:nvPr/>
+          </p:nvCxnSpPr>
+          <p:spPr>
+            <a:xfrm flipH="1">
+              <a:off x="5200317" y="2481515"/>
+              <a:ext cx="213555" cy="966908"/>
+            </a:xfrm>
+            <a:prstGeom prst="bentConnector4">
+              <a:avLst>
+                <a:gd name="adj1" fmla="val -84744"/>
+                <a:gd name="adj2" fmla="val 64916"/>
+              </a:avLst>
+            </a:prstGeom>
+            <a:ln>
+              <a:solidFill>
+                <a:schemeClr val="tx1">
+                  <a:lumMod val="50000"/>
+                  <a:lumOff val="50000"/>
+                </a:schemeClr>
+              </a:solidFill>
+              <a:prstDash val="dash"/>
+              <a:headEnd type="none"/>
+              <a:tailEnd type="stealth"/>
+            </a:ln>
+          </p:spPr>
+          <p:style>
+            <a:lnRef idx="1">
+              <a:schemeClr val="dk1"/>
+            </a:lnRef>
+            <a:fillRef idx="0">
+              <a:schemeClr val="dk1"/>
+            </a:fillRef>
+            <a:effectRef idx="0">
+              <a:schemeClr val="dk1"/>
+            </a:effectRef>
+            <a:fontRef idx="minor">
+              <a:schemeClr val="tx1"/>
+            </a:fontRef>
+          </p:style>
+        </p:cxnSp>
+        <p:cxnSp>
+          <p:nvCxnSpPr>
+            <p:cNvPr id="43" name="Elbow Connector 42"/>
+            <p:cNvCxnSpPr>
+              <a:stCxn id="19" idx="3"/>
+            </p:cNvCxnSpPr>
+            <p:nvPr/>
+          </p:nvCxnSpPr>
+          <p:spPr>
+            <a:xfrm flipH="1">
+              <a:off x="6669249" y="2481515"/>
+              <a:ext cx="213555" cy="961593"/>
+            </a:xfrm>
+            <a:prstGeom prst="bentConnector4">
+              <a:avLst>
+                <a:gd name="adj1" fmla="val -71363"/>
+                <a:gd name="adj2" fmla="val 64998"/>
+              </a:avLst>
+            </a:prstGeom>
+            <a:ln>
+              <a:solidFill>
+                <a:schemeClr val="tx1">
+                  <a:lumMod val="50000"/>
+                  <a:lumOff val="50000"/>
+                </a:schemeClr>
+              </a:solidFill>
+              <a:prstDash val="dash"/>
+              <a:headEnd type="none"/>
+              <a:tailEnd type="stealth"/>
+            </a:ln>
+          </p:spPr>
+          <p:style>
+            <a:lnRef idx="1">
+              <a:schemeClr val="dk1"/>
+            </a:lnRef>
+            <a:fillRef idx="0">
+              <a:schemeClr val="dk1"/>
+            </a:fillRef>
+            <a:effectRef idx="0">
+              <a:schemeClr val="dk1"/>
+            </a:effectRef>
+            <a:fontRef idx="minor">
+              <a:schemeClr val="tx1"/>
+            </a:fontRef>
+          </p:style>
+        </p:cxnSp>
+        <p:cxnSp>
+          <p:nvCxnSpPr>
+            <p:cNvPr id="47" name="Elbow Connector 46"/>
+            <p:cNvCxnSpPr>
+              <a:stCxn id="32" idx="3"/>
+            </p:cNvCxnSpPr>
+            <p:nvPr/>
+          </p:nvCxnSpPr>
+          <p:spPr>
+            <a:xfrm flipH="1">
+              <a:off x="8129111" y="2481515"/>
+              <a:ext cx="281616" cy="961593"/>
+            </a:xfrm>
+            <a:prstGeom prst="bentConnector4">
+              <a:avLst>
+                <a:gd name="adj1" fmla="val -54116"/>
+                <a:gd name="adj2" fmla="val 64998"/>
+              </a:avLst>
+            </a:prstGeom>
+            <a:ln>
+              <a:solidFill>
+                <a:schemeClr val="tx1">
+                  <a:lumMod val="50000"/>
+                  <a:lumOff val="50000"/>
+                </a:schemeClr>
+              </a:solidFill>
+              <a:prstDash val="dash"/>
+              <a:headEnd type="none"/>
+              <a:tailEnd type="stealth"/>
+            </a:ln>
+          </p:spPr>
+          <p:style>
+            <a:lnRef idx="1">
+              <a:schemeClr val="dk1"/>
+            </a:lnRef>
+            <a:fillRef idx="0">
+              <a:schemeClr val="dk1"/>
+            </a:fillRef>
+            <a:effectRef idx="0">
+              <a:schemeClr val="dk1"/>
+            </a:effectRef>
+            <a:fontRef idx="minor">
+              <a:schemeClr val="tx1"/>
+            </a:fontRef>
+          </p:style>
+        </p:cxnSp>
+        <p:cxnSp>
+          <p:nvCxnSpPr>
+            <p:cNvPr id="62" name="Elbow Connector 61"/>
+            <p:cNvCxnSpPr>
+              <a:endCxn id="21" idx="0"/>
+            </p:cNvCxnSpPr>
+            <p:nvPr/>
+          </p:nvCxnSpPr>
+          <p:spPr>
+            <a:xfrm flipH="1">
+              <a:off x="8138181" y="3448423"/>
+              <a:ext cx="972581" cy="756754"/>
+            </a:xfrm>
+            <a:prstGeom prst="bentConnector4">
+              <a:avLst>
+                <a:gd name="adj1" fmla="val -23504"/>
+                <a:gd name="adj2" fmla="val 63542"/>
+              </a:avLst>
+            </a:prstGeom>
+            <a:ln>
+              <a:solidFill>
+                <a:schemeClr val="tx1">
+                  <a:lumMod val="50000"/>
+                  <a:lumOff val="50000"/>
+                </a:schemeClr>
+              </a:solidFill>
+              <a:prstDash val="dash"/>
+              <a:headEnd type="none"/>
+              <a:tailEnd type="triangle"/>
+            </a:ln>
+          </p:spPr>
+          <p:style>
+            <a:lnRef idx="1">
+              <a:schemeClr val="dk1"/>
+            </a:lnRef>
+            <a:fillRef idx="0">
+              <a:schemeClr val="dk1"/>
+            </a:fillRef>
+            <a:effectRef idx="0">
+              <a:schemeClr val="dk1"/>
+            </a:effectRef>
+            <a:fontRef idx="minor">
+              <a:schemeClr val="tx1"/>
+            </a:fontRef>
+          </p:style>
+        </p:cxnSp>
+        <p:cxnSp>
+          <p:nvCxnSpPr>
+            <p:cNvPr id="75" name="Straight Arrow Connector 74"/>
+            <p:cNvCxnSpPr>
+              <a:stCxn id="21" idx="3"/>
+              <a:endCxn id="22" idx="1"/>
+            </p:cNvCxnSpPr>
+            <p:nvPr/>
+          </p:nvCxnSpPr>
+          <p:spPr>
+            <a:xfrm>
+              <a:off x="8684639" y="4506558"/>
+              <a:ext cx="254184" cy="0"/>
+            </a:xfrm>
+            <a:prstGeom prst="straightConnector1">
+              <a:avLst/>
+            </a:prstGeom>
+            <a:ln>
+              <a:solidFill>
+                <a:schemeClr val="tx1">
+                  <a:lumMod val="50000"/>
+                  <a:lumOff val="50000"/>
+                </a:schemeClr>
+              </a:solidFill>
+              <a:prstDash val="dash"/>
+              <a:headEnd type="none"/>
+              <a:tailEnd type="triangle"/>
+            </a:ln>
+          </p:spPr>
+          <p:style>
+            <a:lnRef idx="1">
+              <a:schemeClr val="dk1"/>
+            </a:lnRef>
+            <a:fillRef idx="0">
+              <a:schemeClr val="dk1"/>
+            </a:fillRef>
+            <a:effectRef idx="0">
+              <a:schemeClr val="dk1"/>
+            </a:effectRef>
+            <a:fontRef idx="minor">
+              <a:schemeClr val="tx1"/>
+            </a:fontRef>
+          </p:style>
+        </p:cxnSp>
+        <p:sp>
+          <p:nvSpPr>
+            <p:cNvPr id="91" name="Rounded Rectangle 90"/>
+            <p:cNvSpPr/>
+            <p:nvPr/>
+          </p:nvSpPr>
+          <p:spPr>
+            <a:xfrm>
+              <a:off x="10184015" y="4205177"/>
+              <a:ext cx="991008" cy="602761"/>
+            </a:xfrm>
+            <a:prstGeom prst="roundRect">
+              <a:avLst/>
+            </a:prstGeom>
+            <a:solidFill>
+              <a:srgbClr val="F0904E"/>
+            </a:solidFill>
+            <a:ln w="19050">
+              <a:noFill/>
+              <a:prstDash val="dash"/>
+            </a:ln>
+            <a:effectLst>
+              <a:softEdge rad="0"/>
+            </a:effectLst>
+          </p:spPr>
+          <p:style>
+            <a:lnRef idx="2">
+              <a:schemeClr val="accent1">
+                <a:shade val="50000"/>
+              </a:schemeClr>
+            </a:lnRef>
+            <a:fillRef idx="1">
+              <a:schemeClr val="accent1"/>
+            </a:fillRef>
+            <a:effectRef idx="0">
+              <a:schemeClr val="accent1"/>
+            </a:effectRef>
+            <a:fontRef idx="minor">
+              <a:schemeClr val="lt1"/>
+            </a:fontRef>
+          </p:style>
+          <p:txBody>
+            <a:bodyPr rot="0" spcFirstLastPara="0" vertOverflow="overflow" horzOverflow="overflow" vert="horz" wrap="square" lIns="91440" tIns="45720" rIns="91440" bIns="45720" numCol="1" spcCol="0" rtlCol="0" fromWordArt="0" anchor="ctr" anchorCtr="0" forceAA="0" compatLnSpc="1">
+              <a:prstTxWarp prst="textNoShape">
+                <a:avLst/>
+              </a:prstTxWarp>
+              <a:noAutofit/>
+            </a:bodyPr>
+            <a:lstStyle/>
+            <a:p>
+              <a:pPr algn="ctr"/>
+              <a:r>
+                <a:rPr lang="en-US" sz="1000" dirty="0">
+                  <a:solidFill>
+                    <a:schemeClr val="tx1"/>
+                  </a:solidFill>
+                  <a:latin typeface="Times New Roman" panose="02020603050405020304" pitchFamily="18" charset="0"/>
+                  <a:cs typeface="Times New Roman" panose="02020603050405020304" pitchFamily="18" charset="0"/>
+                </a:rPr>
+                <a:t>Generate results and plots</a:t>
+              </a:r>
+            </a:p>
+          </p:txBody>
+        </p:sp>
+        <p:grpSp>
+          <p:nvGrpSpPr>
+            <p:cNvPr id="119" name="Group 118"/>
+            <p:cNvGrpSpPr/>
+            <p:nvPr/>
+          </p:nvGrpSpPr>
+          <p:grpSpPr>
+            <a:xfrm>
+              <a:off x="9543597" y="3443108"/>
+              <a:ext cx="1135922" cy="762069"/>
+              <a:chOff x="8658225" y="2949622"/>
+              <a:chExt cx="1135922" cy="762069"/>
+            </a:xfrm>
+          </p:grpSpPr>
+          <p:cxnSp>
+            <p:nvCxnSpPr>
+              <p:cNvPr id="113" name="Straight Connector 112"/>
+              <p:cNvCxnSpPr>
+                <a:stCxn id="91" idx="0"/>
+              </p:cNvCxnSpPr>
+              <p:nvPr/>
+            </p:nvCxnSpPr>
+            <p:spPr>
+              <a:xfrm flipV="1">
+                <a:off x="9794147" y="3419475"/>
+                <a:ext cx="0" cy="292216"/>
+              </a:xfrm>
+              <a:prstGeom prst="line">
+                <a:avLst/>
+              </a:prstGeom>
+              <a:ln>
+                <a:solidFill>
+                  <a:schemeClr val="tx1">
+                    <a:lumMod val="50000"/>
+                    <a:lumOff val="50000"/>
+                  </a:schemeClr>
+                </a:solidFill>
+                <a:prstDash val="dash"/>
+                <a:headEnd type="none"/>
+                <a:tailEnd type="none"/>
+              </a:ln>
+            </p:spPr>
+            <p:style>
+              <a:lnRef idx="1">
+                <a:schemeClr val="dk1"/>
+              </a:lnRef>
+              <a:fillRef idx="0">
+                <a:schemeClr val="dk1"/>
+              </a:fillRef>
+              <a:effectRef idx="0">
+                <a:schemeClr val="dk1"/>
+              </a:effectRef>
+              <a:fontRef idx="minor">
+                <a:schemeClr val="tx1"/>
+              </a:fontRef>
+            </p:style>
+          </p:cxnSp>
+          <p:cxnSp>
+            <p:nvCxnSpPr>
+              <p:cNvPr id="115" name="Straight Connector 114"/>
+              <p:cNvCxnSpPr/>
+              <p:nvPr/>
+            </p:nvCxnSpPr>
+            <p:spPr>
+              <a:xfrm flipH="1">
+                <a:off x="8658225" y="3419475"/>
+                <a:ext cx="1135922" cy="0"/>
+              </a:xfrm>
+              <a:prstGeom prst="line">
+                <a:avLst/>
+              </a:prstGeom>
+              <a:ln>
+                <a:solidFill>
+                  <a:schemeClr val="tx1">
+                    <a:lumMod val="50000"/>
+                    <a:lumOff val="50000"/>
+                  </a:schemeClr>
+                </a:solidFill>
+                <a:prstDash val="dash"/>
+                <a:headEnd type="none"/>
+                <a:tailEnd type="none"/>
+              </a:ln>
+            </p:spPr>
+            <p:style>
+              <a:lnRef idx="1">
+                <a:schemeClr val="dk1"/>
+              </a:lnRef>
+              <a:fillRef idx="0">
+                <a:schemeClr val="dk1"/>
+              </a:fillRef>
+              <a:effectRef idx="0">
+                <a:schemeClr val="dk1"/>
+              </a:effectRef>
+              <a:fontRef idx="minor">
+                <a:schemeClr val="tx1"/>
+              </a:fontRef>
+            </p:style>
+          </p:cxnSp>
+          <p:cxnSp>
+            <p:nvCxnSpPr>
+              <p:cNvPr id="117" name="Straight Connector 116"/>
+              <p:cNvCxnSpPr/>
+              <p:nvPr/>
+            </p:nvCxnSpPr>
+            <p:spPr>
+              <a:xfrm flipV="1">
+                <a:off x="8658225" y="2949622"/>
+                <a:ext cx="0" cy="450803"/>
+              </a:xfrm>
+              <a:prstGeom prst="line">
+                <a:avLst/>
+              </a:prstGeom>
+              <a:ln>
+                <a:solidFill>
+                  <a:schemeClr val="tx1">
+                    <a:lumMod val="50000"/>
+                    <a:lumOff val="50000"/>
+                  </a:schemeClr>
+                </a:solidFill>
+                <a:prstDash val="dash"/>
+                <a:headEnd type="none"/>
+                <a:tailEnd type="stealth"/>
+              </a:ln>
+            </p:spPr>
+            <p:style>
+              <a:lnRef idx="1">
+                <a:schemeClr val="dk1"/>
+              </a:lnRef>
+              <a:fillRef idx="0">
+                <a:schemeClr val="dk1"/>
+              </a:fillRef>
+              <a:effectRef idx="0">
+                <a:schemeClr val="dk1"/>
+              </a:effectRef>
+              <a:fontRef idx="minor">
+                <a:schemeClr val="tx1"/>
+              </a:fontRef>
+            </p:style>
+          </p:cxnSp>
+        </p:grpSp>
+        <p:cxnSp>
+          <p:nvCxnSpPr>
+            <p:cNvPr id="121" name="Elbow Connector 120"/>
+            <p:cNvCxnSpPr>
+              <a:endCxn id="16" idx="1"/>
+            </p:cNvCxnSpPr>
+            <p:nvPr/>
+          </p:nvCxnSpPr>
+          <p:spPr>
+            <a:xfrm rot="16200000" flipV="1">
+              <a:off x="1302564" y="2830153"/>
+              <a:ext cx="942858" cy="283052"/>
+            </a:xfrm>
+            <a:prstGeom prst="bentConnector4">
+              <a:avLst>
+                <a:gd name="adj1" fmla="val 35697"/>
+                <a:gd name="adj2" fmla="val 180763"/>
+              </a:avLst>
+            </a:prstGeom>
+            <a:ln>
+              <a:solidFill>
+                <a:schemeClr val="tx1">
+                  <a:lumMod val="50000"/>
+                  <a:lumOff val="50000"/>
+                </a:schemeClr>
+              </a:solidFill>
+              <a:prstDash val="dash"/>
+              <a:headEnd type="none"/>
+              <a:tailEnd type="triangle"/>
+            </a:ln>
+          </p:spPr>
+          <p:style>
+            <a:lnRef idx="1">
+              <a:schemeClr val="dk1"/>
+            </a:lnRef>
+            <a:fillRef idx="0">
+              <a:schemeClr val="dk1"/>
+            </a:fillRef>
+            <a:effectRef idx="0">
+              <a:schemeClr val="dk1"/>
+            </a:effectRef>
+            <a:fontRef idx="minor">
+              <a:schemeClr val="tx1"/>
+            </a:fontRef>
+          </p:style>
+        </p:cxnSp>
+        <p:cxnSp>
+          <p:nvCxnSpPr>
+            <p:cNvPr id="123" name="Elbow Connector 122"/>
+            <p:cNvCxnSpPr>
+              <a:endCxn id="17" idx="1"/>
+            </p:cNvCxnSpPr>
+            <p:nvPr/>
+          </p:nvCxnSpPr>
+          <p:spPr>
+            <a:xfrm rot="16200000" flipV="1">
+              <a:off x="2811044" y="2750856"/>
+              <a:ext cx="942858" cy="441645"/>
+            </a:xfrm>
+            <a:prstGeom prst="bentConnector4">
+              <a:avLst>
+                <a:gd name="adj1" fmla="val 35697"/>
+                <a:gd name="adj2" fmla="val 141278"/>
+              </a:avLst>
+            </a:prstGeom>
+            <a:ln>
+              <a:solidFill>
+                <a:schemeClr val="tx1">
+                  <a:lumMod val="50000"/>
+                  <a:lumOff val="50000"/>
+                </a:schemeClr>
+              </a:solidFill>
+              <a:prstDash val="dash"/>
+              <a:headEnd type="none"/>
+              <a:tailEnd type="triangle"/>
+            </a:ln>
+          </p:spPr>
+          <p:style>
+            <a:lnRef idx="1">
+              <a:schemeClr val="dk1"/>
+            </a:lnRef>
+            <a:fillRef idx="0">
+              <a:schemeClr val="dk1"/>
+            </a:fillRef>
+            <a:effectRef idx="0">
+              <a:schemeClr val="dk1"/>
+            </a:effectRef>
+            <a:fontRef idx="minor">
+              <a:schemeClr val="tx1"/>
+            </a:fontRef>
+          </p:style>
+        </p:cxnSp>
+        <p:cxnSp>
+          <p:nvCxnSpPr>
+            <p:cNvPr id="126" name="Elbow Connector 125"/>
+            <p:cNvCxnSpPr>
+              <a:endCxn id="18" idx="1"/>
+            </p:cNvCxnSpPr>
+            <p:nvPr/>
+          </p:nvCxnSpPr>
+          <p:spPr>
+            <a:xfrm rot="16200000" flipV="1">
+              <a:off x="4214564" y="2736178"/>
+              <a:ext cx="961593" cy="452267"/>
+            </a:xfrm>
+            <a:prstGeom prst="bentConnector4">
+              <a:avLst>
+                <a:gd name="adj1" fmla="val 35002"/>
+                <a:gd name="adj2" fmla="val 142867"/>
+              </a:avLst>
+            </a:prstGeom>
+            <a:ln>
+              <a:solidFill>
+                <a:schemeClr val="tx1">
+                  <a:lumMod val="50000"/>
+                  <a:lumOff val="50000"/>
+                </a:schemeClr>
+              </a:solidFill>
+              <a:prstDash val="dash"/>
+              <a:headEnd type="none"/>
+              <a:tailEnd type="triangle"/>
+            </a:ln>
+          </p:spPr>
+          <p:style>
+            <a:lnRef idx="1">
+              <a:schemeClr val="dk1"/>
+            </a:lnRef>
+            <a:fillRef idx="0">
+              <a:schemeClr val="dk1"/>
+            </a:fillRef>
+            <a:effectRef idx="0">
+              <a:schemeClr val="dk1"/>
+            </a:effectRef>
+            <a:fontRef idx="minor">
+              <a:schemeClr val="tx1"/>
+            </a:fontRef>
+          </p:style>
+        </p:cxnSp>
+        <p:cxnSp>
+          <p:nvCxnSpPr>
+            <p:cNvPr id="129" name="Elbow Connector 128"/>
+            <p:cNvCxnSpPr>
+              <a:endCxn id="19" idx="1"/>
+            </p:cNvCxnSpPr>
+            <p:nvPr/>
+          </p:nvCxnSpPr>
+          <p:spPr>
+            <a:xfrm rot="16200000" flipV="1">
+              <a:off x="5691531" y="2728143"/>
+              <a:ext cx="961593" cy="468338"/>
+            </a:xfrm>
+            <a:prstGeom prst="bentConnector4">
+              <a:avLst>
+                <a:gd name="adj1" fmla="val 35002"/>
+                <a:gd name="adj2" fmla="val 131511"/>
+              </a:avLst>
+            </a:prstGeom>
+            <a:ln>
+              <a:solidFill>
+                <a:schemeClr val="tx1">
+                  <a:lumMod val="50000"/>
+                  <a:lumOff val="50000"/>
+                </a:schemeClr>
+              </a:solidFill>
+              <a:prstDash val="dash"/>
+              <a:headEnd type="none"/>
+              <a:tailEnd type="stealth"/>
+            </a:ln>
+          </p:spPr>
+          <p:style>
+            <a:lnRef idx="1">
+              <a:schemeClr val="dk1"/>
+            </a:lnRef>
+            <a:fillRef idx="0">
+              <a:schemeClr val="dk1"/>
+            </a:fillRef>
+            <a:effectRef idx="0">
+              <a:schemeClr val="dk1"/>
+            </a:effectRef>
+            <a:fontRef idx="minor">
+              <a:schemeClr val="tx1"/>
+            </a:fontRef>
+          </p:style>
+        </p:cxnSp>
+        <p:cxnSp>
+          <p:nvCxnSpPr>
+            <p:cNvPr id="132" name="Elbow Connector 131"/>
+            <p:cNvCxnSpPr>
+              <a:endCxn id="32" idx="1"/>
+            </p:cNvCxnSpPr>
+            <p:nvPr/>
+          </p:nvCxnSpPr>
+          <p:spPr>
+            <a:xfrm rot="16200000" flipV="1">
+              <a:off x="7171118" y="2776479"/>
+              <a:ext cx="961593" cy="371666"/>
+            </a:xfrm>
+            <a:prstGeom prst="bentConnector4">
+              <a:avLst>
+                <a:gd name="adj1" fmla="val 35002"/>
+                <a:gd name="adj2" fmla="val 161507"/>
+              </a:avLst>
+            </a:prstGeom>
+            <a:ln>
+              <a:solidFill>
+                <a:schemeClr val="tx1">
+                  <a:lumMod val="50000"/>
+                  <a:lumOff val="50000"/>
+                </a:schemeClr>
+              </a:solidFill>
+              <a:prstDash val="dash"/>
+              <a:headEnd type="none"/>
+              <a:tailEnd type="triangle"/>
+            </a:ln>
+          </p:spPr>
+          <p:style>
+            <a:lnRef idx="1">
+              <a:schemeClr val="dk1"/>
+            </a:lnRef>
+            <a:fillRef idx="0">
+              <a:schemeClr val="dk1"/>
+            </a:fillRef>
+            <a:effectRef idx="0">
+              <a:schemeClr val="dk1"/>
+            </a:effectRef>
+            <a:fontRef idx="minor">
+              <a:schemeClr val="tx1"/>
+            </a:fontRef>
+          </p:style>
+        </p:cxnSp>
+        <p:cxnSp>
+          <p:nvCxnSpPr>
+            <p:cNvPr id="134" name="Straight Arrow Connector 133"/>
+            <p:cNvCxnSpPr/>
+            <p:nvPr/>
+          </p:nvCxnSpPr>
+          <p:spPr>
+            <a:xfrm>
+              <a:off x="9929831" y="4506558"/>
+              <a:ext cx="254184" cy="0"/>
+            </a:xfrm>
+            <a:prstGeom prst="straightConnector1">
+              <a:avLst/>
+            </a:prstGeom>
+            <a:ln>
+              <a:solidFill>
+                <a:schemeClr val="tx1">
+                  <a:lumMod val="50000"/>
+                  <a:lumOff val="50000"/>
+                </a:schemeClr>
+              </a:solidFill>
+              <a:prstDash val="dash"/>
+              <a:headEnd type="none"/>
+              <a:tailEnd type="triangle"/>
+            </a:ln>
+          </p:spPr>
+          <p:style>
+            <a:lnRef idx="1">
+              <a:schemeClr val="dk1"/>
+            </a:lnRef>
+            <a:fillRef idx="0">
+              <a:schemeClr val="dk1"/>
+            </a:fillRef>
+            <a:effectRef idx="0">
+              <a:schemeClr val="dk1"/>
+            </a:effectRef>
+            <a:fontRef idx="minor">
+              <a:schemeClr val="tx1"/>
+            </a:fontRef>
+          </p:style>
+        </p:cxnSp>
+        <p:sp>
+          <p:nvSpPr>
+            <p:cNvPr id="144" name="Rectangle 143"/>
+            <p:cNvSpPr/>
+            <p:nvPr/>
+          </p:nvSpPr>
+          <p:spPr>
+            <a:xfrm>
+              <a:off x="9322160" y="1802787"/>
+              <a:ext cx="339088" cy="338328"/>
+            </a:xfrm>
+            <a:prstGeom prst="rect">
+              <a:avLst/>
+            </a:prstGeom>
+            <a:solidFill>
+              <a:srgbClr val="C00000"/>
+            </a:solidFill>
+            <a:ln w="19050">
+              <a:noFill/>
+              <a:prstDash val="solid"/>
+            </a:ln>
+            <a:effectLst>
+              <a:softEdge rad="0"/>
+            </a:effectLst>
+          </p:spPr>
+          <p:style>
+            <a:lnRef idx="2">
+              <a:schemeClr val="accent1">
+                <a:shade val="50000"/>
+              </a:schemeClr>
+            </a:lnRef>
+            <a:fillRef idx="1">
+              <a:schemeClr val="accent1"/>
+            </a:fillRef>
+            <a:effectRef idx="0">
+              <a:schemeClr val="accent1"/>
+            </a:effectRef>
+            <a:fontRef idx="minor">
+              <a:schemeClr val="lt1"/>
+            </a:fontRef>
+          </p:style>
+          <p:txBody>
+            <a:bodyPr rtlCol="0" anchor="ctr"/>
+            <a:lstStyle/>
+            <a:p>
+              <a:pPr algn="ctr"/>
+              <a:endParaRPr lang="en-US" sz="800" dirty="0" smtClean="0">
+                <a:solidFill>
+                  <a:schemeClr val="tx1"/>
+                </a:solidFill>
+                <a:latin typeface="Times New Roman" panose="02020603050405020304" pitchFamily="18" charset="0"/>
+                <a:cs typeface="Times New Roman" panose="02020603050405020304" pitchFamily="18" charset="0"/>
+              </a:endParaRPr>
+            </a:p>
+          </p:txBody>
+        </p:sp>
+        <p:sp>
+          <p:nvSpPr>
+            <p:cNvPr id="145" name="Rectangle 144"/>
+            <p:cNvSpPr/>
+            <p:nvPr/>
+          </p:nvSpPr>
+          <p:spPr>
+            <a:xfrm>
+              <a:off x="9322920" y="1399773"/>
+              <a:ext cx="338328" cy="338328"/>
+            </a:xfrm>
+            <a:prstGeom prst="rect">
+              <a:avLst/>
+            </a:prstGeom>
+            <a:solidFill>
+              <a:srgbClr val="AFABAB"/>
+            </a:solidFill>
+            <a:ln w="19050">
+              <a:noFill/>
+              <a:prstDash val="solid"/>
+            </a:ln>
+            <a:effectLst>
+              <a:softEdge rad="0"/>
+            </a:effectLst>
+          </p:spPr>
+          <p:style>
+            <a:lnRef idx="2">
+              <a:schemeClr val="accent1">
+                <a:shade val="50000"/>
+              </a:schemeClr>
+            </a:lnRef>
+            <a:fillRef idx="1">
+              <a:schemeClr val="accent1"/>
+            </a:fillRef>
+            <a:effectRef idx="0">
+              <a:schemeClr val="accent1"/>
+            </a:effectRef>
+            <a:fontRef idx="minor">
+              <a:schemeClr val="lt1"/>
+            </a:fontRef>
+          </p:style>
+          <p:txBody>
+            <a:bodyPr rtlCol="0" anchor="ctr"/>
+            <a:lstStyle/>
+            <a:p>
+              <a:pPr algn="ctr"/>
+              <a:endParaRPr lang="en-US" sz="800" dirty="0" smtClean="0">
+                <a:solidFill>
+                  <a:schemeClr val="tx1"/>
+                </a:solidFill>
+                <a:latin typeface="Times New Roman" panose="02020603050405020304" pitchFamily="18" charset="0"/>
+                <a:cs typeface="Times New Roman" panose="02020603050405020304" pitchFamily="18" charset="0"/>
+              </a:endParaRPr>
+            </a:p>
+          </p:txBody>
+        </p:sp>
+        <p:sp>
+          <p:nvSpPr>
+            <p:cNvPr id="146" name="Rectangle 145"/>
+            <p:cNvSpPr/>
+            <p:nvPr/>
+          </p:nvSpPr>
+          <p:spPr>
+            <a:xfrm>
+              <a:off x="9322160" y="2205801"/>
+              <a:ext cx="338328" cy="338328"/>
+            </a:xfrm>
+            <a:prstGeom prst="rect">
+              <a:avLst/>
+            </a:prstGeom>
+            <a:solidFill>
+              <a:srgbClr val="F0904E"/>
+            </a:solidFill>
+            <a:ln w="19050">
+              <a:noFill/>
+              <a:prstDash val="solid"/>
+            </a:ln>
+            <a:effectLst>
+              <a:softEdge rad="0"/>
+            </a:effectLst>
+          </p:spPr>
+          <p:style>
+            <a:lnRef idx="2">
+              <a:schemeClr val="accent1">
+                <a:shade val="50000"/>
+              </a:schemeClr>
+            </a:lnRef>
+            <a:fillRef idx="1">
+              <a:schemeClr val="accent1"/>
+            </a:fillRef>
+            <a:effectRef idx="0">
+              <a:schemeClr val="accent1"/>
+            </a:effectRef>
+            <a:fontRef idx="minor">
+              <a:schemeClr val="lt1"/>
+            </a:fontRef>
+          </p:style>
+          <p:txBody>
+            <a:bodyPr rtlCol="0" anchor="ctr"/>
+            <a:lstStyle/>
+            <a:p>
+              <a:pPr algn="ctr"/>
+              <a:endParaRPr lang="en-US" sz="800" dirty="0" smtClean="0">
+                <a:solidFill>
+                  <a:schemeClr val="tx1"/>
+                </a:solidFill>
+                <a:latin typeface="Times New Roman" panose="02020603050405020304" pitchFamily="18" charset="0"/>
+                <a:cs typeface="Times New Roman" panose="02020603050405020304" pitchFamily="18" charset="0"/>
+              </a:endParaRPr>
+            </a:p>
+          </p:txBody>
+        </p:sp>
+        <p:sp>
+          <p:nvSpPr>
+            <p:cNvPr id="147" name="TextBox 146"/>
+            <p:cNvSpPr txBox="1"/>
+            <p:nvPr/>
+          </p:nvSpPr>
+          <p:spPr>
+            <a:xfrm>
+              <a:off x="9660488" y="1865922"/>
+              <a:ext cx="919206" cy="246221"/>
+            </a:xfrm>
+            <a:prstGeom prst="rect">
+              <a:avLst/>
+            </a:prstGeom>
+            <a:noFill/>
+          </p:spPr>
+          <p:txBody>
+            <a:bodyPr wrap="square" rtlCol="0">
+              <a:spAutoFit/>
+            </a:bodyPr>
+            <a:lstStyle/>
+            <a:p>
+              <a:r>
+                <a:rPr lang="en-US" sz="1000" dirty="0">
+                  <a:latin typeface="Times New Roman" panose="02020603050405020304" pitchFamily="18" charset="0"/>
+                  <a:cs typeface="Times New Roman" panose="02020603050405020304" pitchFamily="18" charset="0"/>
+                </a:rPr>
+                <a:t>User </a:t>
+              </a:r>
+              <a:r>
+                <a:rPr lang="en-US" sz="1000" dirty="0" smtClean="0">
+                  <a:latin typeface="Times New Roman" panose="02020603050405020304" pitchFamily="18" charset="0"/>
+                  <a:cs typeface="Times New Roman" panose="02020603050405020304" pitchFamily="18" charset="0"/>
+                </a:rPr>
+                <a:t>facing</a:t>
+              </a:r>
+              <a:endParaRPr lang="en-US" sz="1000" dirty="0">
+                <a:latin typeface="Times New Roman" panose="02020603050405020304" pitchFamily="18" charset="0"/>
+                <a:cs typeface="Times New Roman" panose="02020603050405020304" pitchFamily="18" charset="0"/>
+              </a:endParaRPr>
+            </a:p>
+          </p:txBody>
+        </p:sp>
+        <p:sp>
+          <p:nvSpPr>
+            <p:cNvPr id="148" name="TextBox 147"/>
+            <p:cNvSpPr txBox="1"/>
+            <p:nvPr/>
+          </p:nvSpPr>
+          <p:spPr>
+            <a:xfrm>
+              <a:off x="9660488" y="2246333"/>
+              <a:ext cx="919206" cy="246221"/>
+            </a:xfrm>
+            <a:prstGeom prst="rect">
+              <a:avLst/>
+            </a:prstGeom>
+            <a:noFill/>
+          </p:spPr>
+          <p:txBody>
+            <a:bodyPr wrap="square" rtlCol="0">
+              <a:spAutoFit/>
+            </a:bodyPr>
+            <a:lstStyle/>
+            <a:p>
+              <a:r>
+                <a:rPr lang="en-US" sz="1000" dirty="0" smtClean="0">
+                  <a:latin typeface="Times New Roman" panose="02020603050405020304" pitchFamily="18" charset="0"/>
+                  <a:cs typeface="Times New Roman" panose="02020603050405020304" pitchFamily="18" charset="0"/>
+                </a:rPr>
+                <a:t>Server side</a:t>
+              </a:r>
+              <a:endParaRPr lang="en-US" sz="1000" dirty="0">
+                <a:latin typeface="Times New Roman" panose="02020603050405020304" pitchFamily="18" charset="0"/>
+                <a:cs typeface="Times New Roman" panose="02020603050405020304" pitchFamily="18" charset="0"/>
+              </a:endParaRPr>
+            </a:p>
+          </p:txBody>
+        </p:sp>
+        <p:sp>
+          <p:nvSpPr>
+            <p:cNvPr id="149" name="TextBox 148"/>
+            <p:cNvSpPr txBox="1"/>
+            <p:nvPr/>
+          </p:nvSpPr>
+          <p:spPr>
+            <a:xfrm>
+              <a:off x="9660488" y="1462908"/>
+              <a:ext cx="1268456" cy="246221"/>
+            </a:xfrm>
+            <a:prstGeom prst="rect">
+              <a:avLst/>
+            </a:prstGeom>
+            <a:noFill/>
+          </p:spPr>
+          <p:txBody>
+            <a:bodyPr wrap="square" rtlCol="0">
+              <a:spAutoFit/>
+            </a:bodyPr>
+            <a:lstStyle/>
+            <a:p>
+              <a:r>
+                <a:rPr lang="en-US" sz="1000" dirty="0" smtClean="0">
+                  <a:latin typeface="Times New Roman" panose="02020603050405020304" pitchFamily="18" charset="0"/>
+                  <a:cs typeface="Times New Roman" panose="02020603050405020304" pitchFamily="18" charset="0"/>
+                </a:rPr>
+                <a:t>Client (browser) side</a:t>
+              </a:r>
+              <a:endParaRPr lang="en-US" sz="1000" dirty="0">
+                <a:latin typeface="Times New Roman" panose="02020603050405020304" pitchFamily="18" charset="0"/>
+                <a:cs typeface="Times New Roman" panose="02020603050405020304" pitchFamily="18" charset="0"/>
+              </a:endParaRPr>
+            </a:p>
+          </p:txBody>
+        </p:sp>
+      </p:grpSp>
     </p:spTree>
     <p:extLst>
       <p:ext uri="{BB962C8B-B14F-4D97-AF65-F5344CB8AC3E}">
         <p14:creationId xmlns:p14="http://schemas.microsoft.com/office/powerpoint/2010/main" val="2349196619"/>
+      </p:ext>
+    </p:extLst>
+  </p:cSld>
+  <p:clrMapOvr>
+    <a:masterClrMapping/>
+  </p:clrMapOvr>
+</p:sld>
+</file>
+
+<file path=ppt/slides/slide3.xml><?xml version="1.0" encoding="utf-8"?>
+<p:sld xmlns:a="http://schemas.openxmlformats.org/drawingml/2006/main" xmlns:r="http://schemas.openxmlformats.org/officeDocument/2006/relationships" xmlns:p="http://schemas.openxmlformats.org/presentationml/2006/main">
+  <p:cSld>
+    <p:spTree>
+      <p:nvGrpSpPr>
+        <p:cNvPr id="1" name=""/>
+        <p:cNvGrpSpPr/>
+        <p:nvPr/>
+      </p:nvGrpSpPr>
+      <p:grpSpPr>
+        <a:xfrm>
+          <a:off x="0" y="0"/>
+          <a:ext cx="0" cy="0"/>
+          <a:chOff x="0" y="0"/>
+          <a:chExt cx="0" cy="0"/>
+        </a:xfrm>
+      </p:grpSpPr>
+      <p:grpSp>
+        <p:nvGrpSpPr>
+          <p:cNvPr id="30" name="Group 29"/>
+          <p:cNvGrpSpPr/>
+          <p:nvPr/>
+        </p:nvGrpSpPr>
+        <p:grpSpPr>
+          <a:xfrm>
+            <a:off x="885372" y="2650137"/>
+            <a:ext cx="9872227" cy="1639077"/>
+            <a:chOff x="885372" y="2650137"/>
+            <a:chExt cx="9872227" cy="1639077"/>
+          </a:xfrm>
+        </p:grpSpPr>
+        <p:sp>
+          <p:nvSpPr>
+            <p:cNvPr id="2" name="Rounded Rectangle 1"/>
+            <p:cNvSpPr/>
+            <p:nvPr/>
+          </p:nvSpPr>
+          <p:spPr>
+            <a:xfrm>
+              <a:off x="885372" y="3243472"/>
+              <a:ext cx="880730" cy="409906"/>
+            </a:xfrm>
+            <a:prstGeom prst="roundRect">
+              <a:avLst/>
+            </a:prstGeom>
+            <a:solidFill>
+              <a:srgbClr val="C00000"/>
+            </a:solidFill>
+            <a:ln w="19050">
+              <a:noFill/>
+              <a:prstDash val="solid"/>
+            </a:ln>
+            <a:effectLst>
+              <a:softEdge rad="0"/>
+            </a:effectLst>
+          </p:spPr>
+          <p:style>
+            <a:lnRef idx="2">
+              <a:schemeClr val="accent1">
+                <a:shade val="50000"/>
+              </a:schemeClr>
+            </a:lnRef>
+            <a:fillRef idx="1">
+              <a:schemeClr val="accent1"/>
+            </a:fillRef>
+            <a:effectRef idx="0">
+              <a:schemeClr val="accent1"/>
+            </a:effectRef>
+            <a:fontRef idx="minor">
+              <a:schemeClr val="lt1"/>
+            </a:fontRef>
+          </p:style>
+          <p:txBody>
+            <a:bodyPr rtlCol="0" anchor="ctr"/>
+            <a:lstStyle/>
+            <a:p>
+              <a:pPr algn="ctr"/>
+              <a:r>
+                <a:rPr lang="en-US" sz="1200" dirty="0" smtClean="0">
+                  <a:solidFill>
+                    <a:schemeClr val="bg1"/>
+                  </a:solidFill>
+                  <a:latin typeface="Times New Roman" panose="02020603050405020304" pitchFamily="18" charset="0"/>
+                  <a:cs typeface="Times New Roman" panose="02020603050405020304" pitchFamily="18" charset="0"/>
+                </a:rPr>
+                <a:t>Units</a:t>
+              </a:r>
+              <a:endParaRPr lang="en-US" sz="1200" dirty="0">
+                <a:solidFill>
+                  <a:schemeClr val="bg1"/>
+                </a:solidFill>
+                <a:latin typeface="Times New Roman" panose="02020603050405020304" pitchFamily="18" charset="0"/>
+                <a:cs typeface="Times New Roman" panose="02020603050405020304" pitchFamily="18" charset="0"/>
+              </a:endParaRPr>
+            </a:p>
+          </p:txBody>
+        </p:sp>
+        <p:sp>
+          <p:nvSpPr>
+            <p:cNvPr id="3" name="Rounded Rectangle 2"/>
+            <p:cNvSpPr/>
+            <p:nvPr/>
+          </p:nvSpPr>
+          <p:spPr>
+            <a:xfrm>
+              <a:off x="3882164" y="3243470"/>
+              <a:ext cx="821802" cy="409906"/>
+            </a:xfrm>
+            <a:prstGeom prst="roundRect">
+              <a:avLst/>
+            </a:prstGeom>
+            <a:solidFill>
+              <a:srgbClr val="C00000"/>
+            </a:solidFill>
+            <a:ln w="19050">
+              <a:noFill/>
+              <a:prstDash val="solid"/>
+            </a:ln>
+            <a:effectLst>
+              <a:softEdge rad="0"/>
+            </a:effectLst>
+          </p:spPr>
+          <p:style>
+            <a:lnRef idx="2">
+              <a:schemeClr val="accent1">
+                <a:shade val="50000"/>
+              </a:schemeClr>
+            </a:lnRef>
+            <a:fillRef idx="1">
+              <a:schemeClr val="accent1"/>
+            </a:fillRef>
+            <a:effectRef idx="0">
+              <a:schemeClr val="accent1"/>
+            </a:effectRef>
+            <a:fontRef idx="minor">
+              <a:schemeClr val="lt1"/>
+            </a:fontRef>
+          </p:style>
+          <p:txBody>
+            <a:bodyPr rot="0" spcFirstLastPara="0" vertOverflow="overflow" horzOverflow="overflow" vert="horz" wrap="square" lIns="91440" tIns="45720" rIns="91440" bIns="45720" numCol="1" spcCol="0" rtlCol="0" fromWordArt="0" anchor="ctr" anchorCtr="0" forceAA="0" compatLnSpc="1">
+              <a:prstTxWarp prst="textNoShape">
+                <a:avLst/>
+              </a:prstTxWarp>
+              <a:noAutofit/>
+            </a:bodyPr>
+            <a:lstStyle/>
+            <a:p>
+              <a:pPr algn="ctr"/>
+              <a:r>
+                <a:rPr lang="en-US" sz="1200" dirty="0" smtClean="0">
+                  <a:solidFill>
+                    <a:schemeClr val="bg1"/>
+                  </a:solidFill>
+                  <a:latin typeface="Times New Roman" panose="02020603050405020304" pitchFamily="18" charset="0"/>
+                  <a:cs typeface="Times New Roman" panose="02020603050405020304" pitchFamily="18" charset="0"/>
+                </a:rPr>
+                <a:t>Utilities</a:t>
+              </a:r>
+              <a:endParaRPr lang="en-US" sz="1200" dirty="0" smtClean="0">
+                <a:solidFill>
+                  <a:schemeClr val="bg1"/>
+                </a:solidFill>
+                <a:latin typeface="Times New Roman" panose="02020603050405020304" pitchFamily="18" charset="0"/>
+                <a:cs typeface="Times New Roman" panose="02020603050405020304" pitchFamily="18" charset="0"/>
+              </a:endParaRPr>
+            </a:p>
+          </p:txBody>
+        </p:sp>
+        <p:sp>
+          <p:nvSpPr>
+            <p:cNvPr id="4" name="Rounded Rectangle 3"/>
+            <p:cNvSpPr/>
+            <p:nvPr/>
+          </p:nvSpPr>
+          <p:spPr>
+            <a:xfrm>
+              <a:off x="5351096" y="3243470"/>
+              <a:ext cx="821802" cy="409906"/>
+            </a:xfrm>
+            <a:prstGeom prst="roundRect">
+              <a:avLst/>
+            </a:prstGeom>
+            <a:solidFill>
+              <a:srgbClr val="C00000"/>
+            </a:solidFill>
+            <a:ln w="19050">
+              <a:noFill/>
+              <a:prstDash val="solid"/>
+            </a:ln>
+            <a:effectLst>
+              <a:softEdge rad="0"/>
+            </a:effectLst>
+          </p:spPr>
+          <p:style>
+            <a:lnRef idx="2">
+              <a:schemeClr val="accent1">
+                <a:shade val="50000"/>
+              </a:schemeClr>
+            </a:lnRef>
+            <a:fillRef idx="1">
+              <a:schemeClr val="accent1"/>
+            </a:fillRef>
+            <a:effectRef idx="0">
+              <a:schemeClr val="accent1"/>
+            </a:effectRef>
+            <a:fontRef idx="minor">
+              <a:schemeClr val="lt1"/>
+            </a:fontRef>
+          </p:style>
+          <p:txBody>
+            <a:bodyPr rot="0" spcFirstLastPara="0" vertOverflow="overflow" horzOverflow="overflow" vert="horz" wrap="square" lIns="91440" tIns="45720" rIns="91440" bIns="45720" numCol="1" spcCol="0" rtlCol="0" fromWordArt="0" anchor="ctr" anchorCtr="0" forceAA="0" compatLnSpc="1">
+              <a:prstTxWarp prst="textNoShape">
+                <a:avLst/>
+              </a:prstTxWarp>
+              <a:noAutofit/>
+            </a:bodyPr>
+            <a:lstStyle/>
+            <a:p>
+              <a:pPr algn="ctr"/>
+              <a:r>
+                <a:rPr lang="en-US" sz="1200" dirty="0" smtClean="0">
+                  <a:solidFill>
+                    <a:schemeClr val="bg1"/>
+                  </a:solidFill>
+                  <a:latin typeface="Times New Roman" panose="02020603050405020304" pitchFamily="18" charset="0"/>
+                  <a:cs typeface="Times New Roman" panose="02020603050405020304" pitchFamily="18" charset="0"/>
+                </a:rPr>
+                <a:t>Tasks</a:t>
+              </a:r>
+              <a:endParaRPr lang="en-US" sz="1200" dirty="0" smtClean="0">
+                <a:solidFill>
+                  <a:schemeClr val="bg1"/>
+                </a:solidFill>
+                <a:latin typeface="Times New Roman" panose="02020603050405020304" pitchFamily="18" charset="0"/>
+                <a:cs typeface="Times New Roman" panose="02020603050405020304" pitchFamily="18" charset="0"/>
+              </a:endParaRPr>
+            </a:p>
+          </p:txBody>
+        </p:sp>
+        <p:sp>
+          <p:nvSpPr>
+            <p:cNvPr id="5" name="Rounded Rectangle 4"/>
+            <p:cNvSpPr/>
+            <p:nvPr/>
+          </p:nvSpPr>
+          <p:spPr>
+            <a:xfrm>
+              <a:off x="2413232" y="3243470"/>
+              <a:ext cx="821802" cy="409906"/>
+            </a:xfrm>
+            <a:prstGeom prst="roundRect">
+              <a:avLst/>
+            </a:prstGeom>
+            <a:solidFill>
+              <a:srgbClr val="C00000"/>
+            </a:solidFill>
+            <a:ln w="19050">
+              <a:noFill/>
+              <a:prstDash val="solid"/>
+            </a:ln>
+            <a:effectLst>
+              <a:softEdge rad="0"/>
+            </a:effectLst>
+          </p:spPr>
+          <p:style>
+            <a:lnRef idx="2">
+              <a:schemeClr val="accent1">
+                <a:shade val="50000"/>
+              </a:schemeClr>
+            </a:lnRef>
+            <a:fillRef idx="1">
+              <a:schemeClr val="accent1"/>
+            </a:fillRef>
+            <a:effectRef idx="0">
+              <a:schemeClr val="accent1"/>
+            </a:effectRef>
+            <a:fontRef idx="minor">
+              <a:schemeClr val="lt1"/>
+            </a:fontRef>
+          </p:style>
+          <p:txBody>
+            <a:bodyPr rot="0" spcFirstLastPara="0" vertOverflow="overflow" horzOverflow="overflow" vert="horz" wrap="square" lIns="91440" tIns="45720" rIns="91440" bIns="45720" numCol="1" spcCol="0" rtlCol="0" fromWordArt="0" anchor="ctr" anchorCtr="0" forceAA="0" compatLnSpc="1">
+              <a:prstTxWarp prst="textNoShape">
+                <a:avLst/>
+              </a:prstTxWarp>
+              <a:noAutofit/>
+            </a:bodyPr>
+            <a:lstStyle/>
+            <a:p>
+              <a:pPr algn="ctr"/>
+              <a:r>
+                <a:rPr lang="en-US" sz="1200" dirty="0" smtClean="0">
+                  <a:solidFill>
+                    <a:schemeClr val="bg1"/>
+                  </a:solidFill>
+                  <a:latin typeface="Times New Roman" panose="02020603050405020304" pitchFamily="18" charset="0"/>
+                  <a:cs typeface="Times New Roman" panose="02020603050405020304" pitchFamily="18" charset="0"/>
+                </a:rPr>
+                <a:t>States</a:t>
+              </a:r>
+              <a:endParaRPr lang="en-US" sz="1200" dirty="0" smtClean="0">
+                <a:solidFill>
+                  <a:schemeClr val="bg1"/>
+                </a:solidFill>
+                <a:latin typeface="Times New Roman" panose="02020603050405020304" pitchFamily="18" charset="0"/>
+                <a:cs typeface="Times New Roman" panose="02020603050405020304" pitchFamily="18" charset="0"/>
+              </a:endParaRPr>
+            </a:p>
+          </p:txBody>
+        </p:sp>
+        <p:cxnSp>
+          <p:nvCxnSpPr>
+            <p:cNvPr id="6" name="Straight Arrow Connector 5"/>
+            <p:cNvCxnSpPr/>
+            <p:nvPr/>
+          </p:nvCxnSpPr>
+          <p:spPr>
+            <a:xfrm flipV="1">
+              <a:off x="1766102" y="3448423"/>
+              <a:ext cx="647130" cy="2"/>
+            </a:xfrm>
+            <a:prstGeom prst="straightConnector1">
+              <a:avLst/>
+            </a:prstGeom>
+            <a:ln w="12700">
+              <a:solidFill>
+                <a:schemeClr val="tx1"/>
+              </a:solidFill>
+              <a:tailEnd type="triangle"/>
+            </a:ln>
+          </p:spPr>
+          <p:style>
+            <a:lnRef idx="1">
+              <a:schemeClr val="dk1"/>
+            </a:lnRef>
+            <a:fillRef idx="0">
+              <a:schemeClr val="dk1"/>
+            </a:fillRef>
+            <a:effectRef idx="0">
+              <a:schemeClr val="dk1"/>
+            </a:effectRef>
+            <a:fontRef idx="minor">
+              <a:schemeClr val="tx1"/>
+            </a:fontRef>
+          </p:style>
+        </p:cxnSp>
+        <p:cxnSp>
+          <p:nvCxnSpPr>
+            <p:cNvPr id="7" name="Straight Arrow Connector 6"/>
+            <p:cNvCxnSpPr/>
+            <p:nvPr/>
+          </p:nvCxnSpPr>
+          <p:spPr>
+            <a:xfrm>
+              <a:off x="3235034" y="3448423"/>
+              <a:ext cx="647130" cy="0"/>
+            </a:xfrm>
+            <a:prstGeom prst="straightConnector1">
+              <a:avLst/>
+            </a:prstGeom>
+            <a:ln w="12700">
+              <a:solidFill>
+                <a:schemeClr val="tx1"/>
+              </a:solidFill>
+              <a:tailEnd type="triangle"/>
+            </a:ln>
+          </p:spPr>
+          <p:style>
+            <a:lnRef idx="1">
+              <a:schemeClr val="dk1"/>
+            </a:lnRef>
+            <a:fillRef idx="0">
+              <a:schemeClr val="dk1"/>
+            </a:fillRef>
+            <a:effectRef idx="0">
+              <a:schemeClr val="dk1"/>
+            </a:effectRef>
+            <a:fontRef idx="minor">
+              <a:schemeClr val="tx1"/>
+            </a:fontRef>
+          </p:style>
+        </p:cxnSp>
+        <p:cxnSp>
+          <p:nvCxnSpPr>
+            <p:cNvPr id="8" name="Straight Arrow Connector 7"/>
+            <p:cNvCxnSpPr/>
+            <p:nvPr/>
+          </p:nvCxnSpPr>
+          <p:spPr>
+            <a:xfrm>
+              <a:off x="4703966" y="3448423"/>
+              <a:ext cx="647130" cy="0"/>
+            </a:xfrm>
+            <a:prstGeom prst="straightConnector1">
+              <a:avLst/>
+            </a:prstGeom>
+            <a:ln w="12700">
+              <a:solidFill>
+                <a:schemeClr val="tx1"/>
+              </a:solidFill>
+              <a:tailEnd type="triangle"/>
+            </a:ln>
+          </p:spPr>
+          <p:style>
+            <a:lnRef idx="1">
+              <a:schemeClr val="dk1"/>
+            </a:lnRef>
+            <a:fillRef idx="0">
+              <a:schemeClr val="dk1"/>
+            </a:fillRef>
+            <a:effectRef idx="0">
+              <a:schemeClr val="dk1"/>
+            </a:effectRef>
+            <a:fontRef idx="minor">
+              <a:schemeClr val="tx1"/>
+            </a:fontRef>
+          </p:style>
+        </p:cxnSp>
+        <p:cxnSp>
+          <p:nvCxnSpPr>
+            <p:cNvPr id="9" name="Straight Arrow Connector 8"/>
+            <p:cNvCxnSpPr/>
+            <p:nvPr/>
+          </p:nvCxnSpPr>
+          <p:spPr>
+            <a:xfrm>
+              <a:off x="6172898" y="3448423"/>
+              <a:ext cx="647130" cy="0"/>
+            </a:xfrm>
+            <a:prstGeom prst="straightConnector1">
+              <a:avLst/>
+            </a:prstGeom>
+            <a:ln w="12700">
+              <a:solidFill>
+                <a:schemeClr val="tx1"/>
+              </a:solidFill>
+              <a:tailEnd type="triangle"/>
+            </a:ln>
+          </p:spPr>
+          <p:style>
+            <a:lnRef idx="1">
+              <a:schemeClr val="dk1"/>
+            </a:lnRef>
+            <a:fillRef idx="0">
+              <a:schemeClr val="dk1"/>
+            </a:fillRef>
+            <a:effectRef idx="0">
+              <a:schemeClr val="dk1"/>
+            </a:effectRef>
+            <a:fontRef idx="minor">
+              <a:schemeClr val="tx1"/>
+            </a:fontRef>
+          </p:style>
+        </p:cxnSp>
+        <p:sp>
+          <p:nvSpPr>
+            <p:cNvPr id="10" name="Rounded Rectangle 9"/>
+            <p:cNvSpPr/>
+            <p:nvPr/>
+          </p:nvSpPr>
+          <p:spPr>
+            <a:xfrm>
+              <a:off x="8463632" y="2833563"/>
+              <a:ext cx="821802" cy="409906"/>
+            </a:xfrm>
+            <a:prstGeom prst="roundRect">
+              <a:avLst/>
+            </a:prstGeom>
+            <a:solidFill>
+              <a:srgbClr val="C00000"/>
+            </a:solidFill>
+            <a:ln w="19050">
+              <a:noFill/>
+              <a:prstDash val="solid"/>
+            </a:ln>
+            <a:effectLst>
+              <a:softEdge rad="0"/>
+            </a:effectLst>
+          </p:spPr>
+          <p:style>
+            <a:lnRef idx="2">
+              <a:schemeClr val="accent1">
+                <a:shade val="50000"/>
+              </a:schemeClr>
+            </a:lnRef>
+            <a:fillRef idx="1">
+              <a:schemeClr val="accent1"/>
+            </a:fillRef>
+            <a:effectRef idx="0">
+              <a:schemeClr val="accent1"/>
+            </a:effectRef>
+            <a:fontRef idx="minor">
+              <a:schemeClr val="lt1"/>
+            </a:fontRef>
+          </p:style>
+          <p:txBody>
+            <a:bodyPr rot="0" spcFirstLastPara="0" vertOverflow="overflow" horzOverflow="overflow" vert="horz" wrap="square" lIns="91440" tIns="45720" rIns="91440" bIns="45720" numCol="1" spcCol="0" rtlCol="0" fromWordArt="0" anchor="ctr" anchorCtr="0" forceAA="0" compatLnSpc="1">
+              <a:prstTxWarp prst="textNoShape">
+                <a:avLst/>
+              </a:prstTxWarp>
+              <a:noAutofit/>
+            </a:bodyPr>
+            <a:lstStyle/>
+            <a:p>
+              <a:pPr algn="ctr"/>
+              <a:r>
+                <a:rPr lang="en-US" sz="1200" dirty="0" smtClean="0">
+                  <a:solidFill>
+                    <a:schemeClr val="bg1"/>
+                  </a:solidFill>
+                  <a:latin typeface="Times New Roman" panose="02020603050405020304" pitchFamily="18" charset="0"/>
+                  <a:cs typeface="Times New Roman" panose="02020603050405020304" pitchFamily="18" charset="0"/>
+                </a:rPr>
+                <a:t>Horizon + Prices</a:t>
+              </a:r>
+              <a:endParaRPr lang="en-US" sz="1200" dirty="0" smtClean="0">
+                <a:solidFill>
+                  <a:schemeClr val="bg1"/>
+                </a:solidFill>
+                <a:latin typeface="Times New Roman" panose="02020603050405020304" pitchFamily="18" charset="0"/>
+                <a:cs typeface="Times New Roman" panose="02020603050405020304" pitchFamily="18" charset="0"/>
+              </a:endParaRPr>
+            </a:p>
+          </p:txBody>
+        </p:sp>
+        <p:sp>
+          <p:nvSpPr>
+            <p:cNvPr id="11" name="Rounded Rectangle 10"/>
+            <p:cNvSpPr/>
+            <p:nvPr/>
+          </p:nvSpPr>
+          <p:spPr>
+            <a:xfrm>
+              <a:off x="9935797" y="2833563"/>
+              <a:ext cx="821802" cy="409906"/>
+            </a:xfrm>
+            <a:prstGeom prst="roundRect">
+              <a:avLst/>
+            </a:prstGeom>
+            <a:solidFill>
+              <a:srgbClr val="C00000"/>
+            </a:solidFill>
+            <a:ln w="19050">
+              <a:noFill/>
+              <a:prstDash val="solid"/>
+            </a:ln>
+            <a:effectLst>
+              <a:softEdge rad="0"/>
+            </a:effectLst>
+          </p:spPr>
+          <p:style>
+            <a:lnRef idx="2">
+              <a:schemeClr val="accent1">
+                <a:shade val="50000"/>
+              </a:schemeClr>
+            </a:lnRef>
+            <a:fillRef idx="1">
+              <a:schemeClr val="accent1"/>
+            </a:fillRef>
+            <a:effectRef idx="0">
+              <a:schemeClr val="accent1"/>
+            </a:effectRef>
+            <a:fontRef idx="minor">
+              <a:schemeClr val="lt1"/>
+            </a:fontRef>
+          </p:style>
+          <p:txBody>
+            <a:bodyPr rot="0" spcFirstLastPara="0" vertOverflow="overflow" horzOverflow="overflow" vert="horz" wrap="square" lIns="91440" tIns="45720" rIns="91440" bIns="45720" numCol="1" spcCol="0" rtlCol="0" fromWordArt="0" anchor="ctr" anchorCtr="0" forceAA="0" compatLnSpc="1">
+              <a:prstTxWarp prst="textNoShape">
+                <a:avLst/>
+              </a:prstTxWarp>
+              <a:noAutofit/>
+            </a:bodyPr>
+            <a:lstStyle/>
+            <a:p>
+              <a:pPr algn="ctr"/>
+              <a:r>
+                <a:rPr lang="en-US" sz="1200" dirty="0" smtClean="0">
+                  <a:solidFill>
+                    <a:schemeClr val="bg1"/>
+                  </a:solidFill>
+                  <a:latin typeface="Times New Roman" panose="02020603050405020304" pitchFamily="18" charset="0"/>
+                  <a:cs typeface="Times New Roman" panose="02020603050405020304" pitchFamily="18" charset="0"/>
+                </a:rPr>
+                <a:t>Complete</a:t>
+              </a:r>
+              <a:endParaRPr lang="en-US" sz="1200" dirty="0" smtClean="0">
+                <a:solidFill>
+                  <a:schemeClr val="bg1"/>
+                </a:solidFill>
+                <a:latin typeface="Times New Roman" panose="02020603050405020304" pitchFamily="18" charset="0"/>
+                <a:cs typeface="Times New Roman" panose="02020603050405020304" pitchFamily="18" charset="0"/>
+              </a:endParaRPr>
+            </a:p>
+          </p:txBody>
+        </p:sp>
+        <p:cxnSp>
+          <p:nvCxnSpPr>
+            <p:cNvPr id="12" name="Straight Arrow Connector 11"/>
+            <p:cNvCxnSpPr/>
+            <p:nvPr/>
+          </p:nvCxnSpPr>
+          <p:spPr>
+            <a:xfrm>
+              <a:off x="9285434" y="3038516"/>
+              <a:ext cx="647130" cy="0"/>
+            </a:xfrm>
+            <a:prstGeom prst="straightConnector1">
+              <a:avLst/>
+            </a:prstGeom>
+            <a:ln w="12700">
+              <a:solidFill>
+                <a:schemeClr val="tx1"/>
+              </a:solidFill>
+              <a:tailEnd type="triangle"/>
+            </a:ln>
+          </p:spPr>
+          <p:style>
+            <a:lnRef idx="1">
+              <a:schemeClr val="dk1"/>
+            </a:lnRef>
+            <a:fillRef idx="0">
+              <a:schemeClr val="dk1"/>
+            </a:fillRef>
+            <a:effectRef idx="0">
+              <a:schemeClr val="dk1"/>
+            </a:effectRef>
+            <a:fontRef idx="minor">
+              <a:schemeClr val="tx1"/>
+            </a:fontRef>
+          </p:style>
+        </p:cxnSp>
+        <p:sp>
+          <p:nvSpPr>
+            <p:cNvPr id="13" name="Rounded Rectangle 12"/>
+            <p:cNvSpPr/>
+            <p:nvPr/>
+          </p:nvSpPr>
+          <p:spPr>
+            <a:xfrm>
+              <a:off x="6820028" y="3243470"/>
+              <a:ext cx="821802" cy="409906"/>
+            </a:xfrm>
+            <a:prstGeom prst="roundRect">
+              <a:avLst/>
+            </a:prstGeom>
+            <a:solidFill>
+              <a:srgbClr val="C00000"/>
+            </a:solidFill>
+            <a:ln w="19050">
+              <a:noFill/>
+              <a:prstDash val="solid"/>
+            </a:ln>
+            <a:effectLst>
+              <a:softEdge rad="0"/>
+            </a:effectLst>
+          </p:spPr>
+          <p:style>
+            <a:lnRef idx="2">
+              <a:schemeClr val="accent1">
+                <a:shade val="50000"/>
+              </a:schemeClr>
+            </a:lnRef>
+            <a:fillRef idx="1">
+              <a:schemeClr val="accent1"/>
+            </a:fillRef>
+            <a:effectRef idx="0">
+              <a:schemeClr val="accent1"/>
+            </a:effectRef>
+            <a:fontRef idx="minor">
+              <a:schemeClr val="lt1"/>
+            </a:fontRef>
+          </p:style>
+          <p:txBody>
+            <a:bodyPr rot="0" spcFirstLastPara="0" vertOverflow="overflow" horzOverflow="overflow" vert="horz" wrap="square" lIns="91440" tIns="45720" rIns="91440" bIns="45720" numCol="1" spcCol="0" rtlCol="0" fromWordArt="0" anchor="ctr" anchorCtr="0" forceAA="0" compatLnSpc="1">
+              <a:prstTxWarp prst="textNoShape">
+                <a:avLst/>
+              </a:prstTxWarp>
+              <a:noAutofit/>
+            </a:bodyPr>
+            <a:lstStyle/>
+            <a:p>
+              <a:pPr algn="ctr"/>
+              <a:r>
+                <a:rPr lang="en-US" sz="1200" dirty="0" smtClean="0">
+                  <a:solidFill>
+                    <a:schemeClr val="bg1"/>
+                  </a:solidFill>
+                  <a:latin typeface="Times New Roman" panose="02020603050405020304" pitchFamily="18" charset="0"/>
+                  <a:cs typeface="Times New Roman" panose="02020603050405020304" pitchFamily="18" charset="0"/>
+                </a:rPr>
+                <a:t>Objective</a:t>
+              </a:r>
+              <a:endParaRPr lang="en-US" sz="1200" dirty="0" smtClean="0">
+                <a:solidFill>
+                  <a:schemeClr val="bg1"/>
+                </a:solidFill>
+                <a:latin typeface="Times New Roman" panose="02020603050405020304" pitchFamily="18" charset="0"/>
+                <a:cs typeface="Times New Roman" panose="02020603050405020304" pitchFamily="18" charset="0"/>
+              </a:endParaRPr>
+            </a:p>
+          </p:txBody>
+        </p:sp>
+        <p:sp>
+          <p:nvSpPr>
+            <p:cNvPr id="15" name="Rounded Rectangle 14"/>
+            <p:cNvSpPr/>
+            <p:nvPr/>
+          </p:nvSpPr>
+          <p:spPr>
+            <a:xfrm>
+              <a:off x="8463632" y="3653376"/>
+              <a:ext cx="821802" cy="409906"/>
+            </a:xfrm>
+            <a:prstGeom prst="roundRect">
+              <a:avLst/>
+            </a:prstGeom>
+            <a:solidFill>
+              <a:srgbClr val="C00000"/>
+            </a:solidFill>
+            <a:ln w="19050">
+              <a:noFill/>
+              <a:prstDash val="solid"/>
+            </a:ln>
+            <a:effectLst>
+              <a:softEdge rad="0"/>
+            </a:effectLst>
+          </p:spPr>
+          <p:style>
+            <a:lnRef idx="2">
+              <a:schemeClr val="accent1">
+                <a:shade val="50000"/>
+              </a:schemeClr>
+            </a:lnRef>
+            <a:fillRef idx="1">
+              <a:schemeClr val="accent1"/>
+            </a:fillRef>
+            <a:effectRef idx="0">
+              <a:schemeClr val="accent1"/>
+            </a:effectRef>
+            <a:fontRef idx="minor">
+              <a:schemeClr val="lt1"/>
+            </a:fontRef>
+          </p:style>
+          <p:txBody>
+            <a:bodyPr rot="0" spcFirstLastPara="0" vertOverflow="overflow" horzOverflow="overflow" vert="horz" wrap="square" lIns="91440" tIns="45720" rIns="91440" bIns="45720" numCol="1" spcCol="0" rtlCol="0" fromWordArt="0" anchor="ctr" anchorCtr="0" forceAA="0" compatLnSpc="1">
+              <a:prstTxWarp prst="textNoShape">
+                <a:avLst/>
+              </a:prstTxWarp>
+              <a:noAutofit/>
+            </a:bodyPr>
+            <a:lstStyle/>
+            <a:p>
+              <a:pPr algn="ctr"/>
+              <a:r>
+                <a:rPr lang="en-US" sz="1200" dirty="0" smtClean="0">
+                  <a:solidFill>
+                    <a:schemeClr val="bg1"/>
+                  </a:solidFill>
+                  <a:latin typeface="Times New Roman" panose="02020603050405020304" pitchFamily="18" charset="0"/>
+                  <a:cs typeface="Times New Roman" panose="02020603050405020304" pitchFamily="18" charset="0"/>
+                </a:rPr>
+                <a:t>Demands</a:t>
+              </a:r>
+              <a:endParaRPr lang="en-US" sz="1200" dirty="0" smtClean="0">
+                <a:solidFill>
+                  <a:schemeClr val="bg1"/>
+                </a:solidFill>
+                <a:latin typeface="Times New Roman" panose="02020603050405020304" pitchFamily="18" charset="0"/>
+                <a:cs typeface="Times New Roman" panose="02020603050405020304" pitchFamily="18" charset="0"/>
+              </a:endParaRPr>
+            </a:p>
+          </p:txBody>
+        </p:sp>
+        <p:sp>
+          <p:nvSpPr>
+            <p:cNvPr id="16" name="Rounded Rectangle 15"/>
+            <p:cNvSpPr/>
+            <p:nvPr/>
+          </p:nvSpPr>
+          <p:spPr>
+            <a:xfrm>
+              <a:off x="9935797" y="3653376"/>
+              <a:ext cx="821802" cy="409906"/>
+            </a:xfrm>
+            <a:prstGeom prst="roundRect">
+              <a:avLst/>
+            </a:prstGeom>
+            <a:solidFill>
+              <a:srgbClr val="C00000"/>
+            </a:solidFill>
+            <a:ln w="19050">
+              <a:noFill/>
+              <a:prstDash val="solid"/>
+            </a:ln>
+            <a:effectLst>
+              <a:softEdge rad="0"/>
+            </a:effectLst>
+          </p:spPr>
+          <p:style>
+            <a:lnRef idx="2">
+              <a:schemeClr val="accent1">
+                <a:shade val="50000"/>
+              </a:schemeClr>
+            </a:lnRef>
+            <a:fillRef idx="1">
+              <a:schemeClr val="accent1"/>
+            </a:fillRef>
+            <a:effectRef idx="0">
+              <a:schemeClr val="accent1"/>
+            </a:effectRef>
+            <a:fontRef idx="minor">
+              <a:schemeClr val="lt1"/>
+            </a:fontRef>
+          </p:style>
+          <p:txBody>
+            <a:bodyPr rot="0" spcFirstLastPara="0" vertOverflow="overflow" horzOverflow="overflow" vert="horz" wrap="square" lIns="91440" tIns="45720" rIns="91440" bIns="45720" numCol="1" spcCol="0" rtlCol="0" fromWordArt="0" anchor="ctr" anchorCtr="0" forceAA="0" compatLnSpc="1">
+              <a:prstTxWarp prst="textNoShape">
+                <a:avLst/>
+              </a:prstTxWarp>
+              <a:noAutofit/>
+            </a:bodyPr>
+            <a:lstStyle/>
+            <a:p>
+              <a:pPr algn="ctr"/>
+              <a:r>
+                <a:rPr lang="en-US" sz="1200" dirty="0" smtClean="0">
+                  <a:solidFill>
+                    <a:schemeClr val="bg1"/>
+                  </a:solidFill>
+                  <a:latin typeface="Times New Roman" panose="02020603050405020304" pitchFamily="18" charset="0"/>
+                  <a:cs typeface="Times New Roman" panose="02020603050405020304" pitchFamily="18" charset="0"/>
+                </a:rPr>
+                <a:t>Complete</a:t>
+              </a:r>
+              <a:endParaRPr lang="en-US" sz="1200" dirty="0" smtClean="0">
+                <a:solidFill>
+                  <a:schemeClr val="bg1"/>
+                </a:solidFill>
+                <a:latin typeface="Times New Roman" panose="02020603050405020304" pitchFamily="18" charset="0"/>
+                <a:cs typeface="Times New Roman" panose="02020603050405020304" pitchFamily="18" charset="0"/>
+              </a:endParaRPr>
+            </a:p>
+          </p:txBody>
+        </p:sp>
+        <p:cxnSp>
+          <p:nvCxnSpPr>
+            <p:cNvPr id="17" name="Straight Arrow Connector 16"/>
+            <p:cNvCxnSpPr/>
+            <p:nvPr/>
+          </p:nvCxnSpPr>
+          <p:spPr>
+            <a:xfrm>
+              <a:off x="9285434" y="3858329"/>
+              <a:ext cx="647130" cy="0"/>
+            </a:xfrm>
+            <a:prstGeom prst="straightConnector1">
+              <a:avLst/>
+            </a:prstGeom>
+            <a:ln w="12700">
+              <a:solidFill>
+                <a:schemeClr val="tx1"/>
+              </a:solidFill>
+              <a:tailEnd type="triangle"/>
+            </a:ln>
+          </p:spPr>
+          <p:style>
+            <a:lnRef idx="1">
+              <a:schemeClr val="dk1"/>
+            </a:lnRef>
+            <a:fillRef idx="0">
+              <a:schemeClr val="dk1"/>
+            </a:fillRef>
+            <a:effectRef idx="0">
+              <a:schemeClr val="dk1"/>
+            </a:effectRef>
+            <a:fontRef idx="minor">
+              <a:schemeClr val="tx1"/>
+            </a:fontRef>
+          </p:style>
+        </p:cxnSp>
+        <p:cxnSp>
+          <p:nvCxnSpPr>
+            <p:cNvPr id="21" name="Elbow Connector 20"/>
+            <p:cNvCxnSpPr>
+              <a:stCxn id="13" idx="0"/>
+              <a:endCxn id="10" idx="1"/>
+            </p:cNvCxnSpPr>
+            <p:nvPr/>
+          </p:nvCxnSpPr>
+          <p:spPr>
+            <a:xfrm rot="5400000" flipH="1" flipV="1">
+              <a:off x="7744803" y="2524642"/>
+              <a:ext cx="204954" cy="1232703"/>
+            </a:xfrm>
+            <a:prstGeom prst="bentConnector2">
+              <a:avLst/>
+            </a:prstGeom>
+            <a:ln w="12700">
+              <a:solidFill>
+                <a:schemeClr val="tx1"/>
+              </a:solidFill>
+              <a:tailEnd type="triangle"/>
+            </a:ln>
+          </p:spPr>
+          <p:style>
+            <a:lnRef idx="1">
+              <a:schemeClr val="dk1"/>
+            </a:lnRef>
+            <a:fillRef idx="0">
+              <a:schemeClr val="dk1"/>
+            </a:fillRef>
+            <a:effectRef idx="0">
+              <a:schemeClr val="dk1"/>
+            </a:effectRef>
+            <a:fontRef idx="minor">
+              <a:schemeClr val="tx1"/>
+            </a:fontRef>
+          </p:style>
+        </p:cxnSp>
+        <p:cxnSp>
+          <p:nvCxnSpPr>
+            <p:cNvPr id="23" name="Elbow Connector 22"/>
+            <p:cNvCxnSpPr>
+              <a:stCxn id="13" idx="2"/>
+              <a:endCxn id="15" idx="1"/>
+            </p:cNvCxnSpPr>
+            <p:nvPr/>
+          </p:nvCxnSpPr>
+          <p:spPr>
+            <a:xfrm rot="16200000" flipH="1">
+              <a:off x="7744804" y="3139500"/>
+              <a:ext cx="204953" cy="1232703"/>
+            </a:xfrm>
+            <a:prstGeom prst="bentConnector2">
+              <a:avLst/>
+            </a:prstGeom>
+            <a:ln w="12700">
+              <a:solidFill>
+                <a:schemeClr val="tx1"/>
+              </a:solidFill>
+              <a:tailEnd type="triangle"/>
+            </a:ln>
+          </p:spPr>
+          <p:style>
+            <a:lnRef idx="1">
+              <a:schemeClr val="dk1"/>
+            </a:lnRef>
+            <a:fillRef idx="0">
+              <a:schemeClr val="dk1"/>
+            </a:fillRef>
+            <a:effectRef idx="0">
+              <a:schemeClr val="dk1"/>
+            </a:effectRef>
+            <a:fontRef idx="minor">
+              <a:schemeClr val="tx1"/>
+            </a:fontRef>
+          </p:style>
+        </p:cxnSp>
+        <p:sp>
+          <p:nvSpPr>
+            <p:cNvPr id="28" name="TextBox 27"/>
+            <p:cNvSpPr txBox="1"/>
+            <p:nvPr/>
+          </p:nvSpPr>
+          <p:spPr>
+            <a:xfrm>
+              <a:off x="7227695" y="2650137"/>
+              <a:ext cx="1093922" cy="430887"/>
+            </a:xfrm>
+            <a:prstGeom prst="rect">
+              <a:avLst/>
+            </a:prstGeom>
+            <a:noFill/>
+          </p:spPr>
+          <p:txBody>
+            <a:bodyPr wrap="square" rtlCol="0">
+              <a:spAutoFit/>
+            </a:bodyPr>
+            <a:lstStyle/>
+            <a:p>
+              <a:pPr algn="ctr"/>
+              <a:r>
+                <a:rPr lang="en-US" sz="1100" dirty="0" smtClean="0">
+                  <a:solidFill>
+                    <a:srgbClr val="C00000"/>
+                  </a:solidFill>
+                  <a:latin typeface="Times New Roman" panose="02020603050405020304" pitchFamily="18" charset="0"/>
+                  <a:cs typeface="Times New Roman" panose="02020603050405020304" pitchFamily="18" charset="0"/>
+                </a:rPr>
+                <a:t>Maximization of profit</a:t>
+              </a:r>
+              <a:endParaRPr lang="en-US" sz="1100" dirty="0">
+                <a:solidFill>
+                  <a:srgbClr val="C00000"/>
+                </a:solidFill>
+                <a:latin typeface="Times New Roman" panose="02020603050405020304" pitchFamily="18" charset="0"/>
+                <a:cs typeface="Times New Roman" panose="02020603050405020304" pitchFamily="18" charset="0"/>
+              </a:endParaRPr>
+            </a:p>
+          </p:txBody>
+        </p:sp>
+        <p:sp>
+          <p:nvSpPr>
+            <p:cNvPr id="29" name="TextBox 28"/>
+            <p:cNvSpPr txBox="1"/>
+            <p:nvPr/>
+          </p:nvSpPr>
+          <p:spPr>
+            <a:xfrm>
+              <a:off x="7227695" y="3858327"/>
+              <a:ext cx="1093922" cy="430887"/>
+            </a:xfrm>
+            <a:prstGeom prst="rect">
+              <a:avLst/>
+            </a:prstGeom>
+            <a:noFill/>
+          </p:spPr>
+          <p:txBody>
+            <a:bodyPr wrap="square" rtlCol="0">
+              <a:spAutoFit/>
+            </a:bodyPr>
+            <a:lstStyle/>
+            <a:p>
+              <a:pPr algn="ctr"/>
+              <a:r>
+                <a:rPr lang="en-US" sz="1100" dirty="0" smtClean="0">
+                  <a:solidFill>
+                    <a:srgbClr val="C00000"/>
+                  </a:solidFill>
+                  <a:latin typeface="Times New Roman" panose="02020603050405020304" pitchFamily="18" charset="0"/>
+                  <a:cs typeface="Times New Roman" panose="02020603050405020304" pitchFamily="18" charset="0"/>
+                </a:rPr>
+                <a:t>Minimization of </a:t>
+              </a:r>
+              <a:r>
+                <a:rPr lang="en-US" sz="1100" dirty="0" err="1" smtClean="0">
+                  <a:solidFill>
+                    <a:srgbClr val="C00000"/>
+                  </a:solidFill>
+                  <a:latin typeface="Times New Roman" panose="02020603050405020304" pitchFamily="18" charset="0"/>
+                  <a:cs typeface="Times New Roman" panose="02020603050405020304" pitchFamily="18" charset="0"/>
+                </a:rPr>
+                <a:t>makespan</a:t>
+              </a:r>
+              <a:endParaRPr lang="en-US" sz="1100" dirty="0">
+                <a:solidFill>
+                  <a:srgbClr val="C00000"/>
+                </a:solidFill>
+                <a:latin typeface="Times New Roman" panose="02020603050405020304" pitchFamily="18" charset="0"/>
+                <a:cs typeface="Times New Roman" panose="02020603050405020304" pitchFamily="18" charset="0"/>
+              </a:endParaRPr>
+            </a:p>
+          </p:txBody>
+        </p:sp>
+      </p:grpSp>
+    </p:spTree>
+    <p:extLst>
+      <p:ext uri="{BB962C8B-B14F-4D97-AF65-F5344CB8AC3E}">
+        <p14:creationId xmlns:p14="http://schemas.microsoft.com/office/powerpoint/2010/main" val="3268912071"/>
       </p:ext>
     </p:extLst>
   </p:cSld>
@@ -4378,7 +7786,7 @@
           <a:solidFill>
             <a:schemeClr val="tx1"/>
           </a:solidFill>
-          <a:prstDash val="sysDot"/>
+          <a:prstDash val="solid"/>
         </a:ln>
         <a:effectLst>
           <a:softEdge rad="0"/>
@@ -4387,7 +7795,11 @@
       <a:bodyPr rtlCol="0" anchor="ctr"/>
       <a:lstStyle>
         <a:defPPr algn="ctr">
-          <a:defRPr/>
+          <a:defRPr dirty="0" smtClean="0">
+            <a:solidFill>
+              <a:schemeClr val="tx1"/>
+            </a:solidFill>
+          </a:defRPr>
         </a:defPPr>
       </a:lstStyle>
       <a:style>
@@ -4409,24 +7821,24 @@
     </a:spDef>
     <a:lnDef>
       <a:spPr>
-        <a:ln>
+        <a:ln w="12700">
           <a:solidFill>
-            <a:srgbClr val="C00000"/>
+            <a:schemeClr val="tx1"/>
           </a:solidFill>
-          <a:tailEnd type="stealth" w="sm" len="sm"/>
+          <a:tailEnd type="triangle"/>
         </a:ln>
       </a:spPr>
       <a:bodyPr/>
       <a:lstStyle/>
       <a:style>
         <a:lnRef idx="1">
-          <a:schemeClr val="accent1"/>
+          <a:schemeClr val="dk1"/>
         </a:lnRef>
         <a:fillRef idx="0">
-          <a:schemeClr val="accent1"/>
+          <a:schemeClr val="dk1"/>
         </a:fillRef>
         <a:effectRef idx="0">
-          <a:schemeClr val="accent1"/>
+          <a:schemeClr val="dk1"/>
         </a:effectRef>
         <a:fontRef idx="minor">
           <a:schemeClr val="tx1"/>
